--- a/slides/NLP/03 Text Classification using Naive Bayes.pptx
+++ b/slides/NLP/03 Text Classification using Naive Bayes.pptx
@@ -9,7 +9,7 @@
     <p:notesMasterId r:id="rId5"/>
   </p:notesMasterIdLst>
   <p:handoutMasterIdLst>
-    <p:handoutMasterId r:id="rId33"/>
+    <p:handoutMasterId r:id="rId35"/>
   </p:handoutMasterIdLst>
   <p:sldIdLst>
     <p:sldId id="651" r:id="rId4"/>
@@ -18,28 +18,30 @@
     <p:sldId id="472" r:id="rId8"/>
     <p:sldId id="387" r:id="rId9"/>
     <p:sldId id="388" r:id="rId10"/>
-    <p:sldId id="439" r:id="rId11"/>
-    <p:sldId id="391" r:id="rId12"/>
-    <p:sldId id="544" r:id="rId13"/>
-    <p:sldId id="545" r:id="rId14"/>
-    <p:sldId id="546" r:id="rId15"/>
-    <p:sldId id="548" r:id="rId16"/>
-    <p:sldId id="549" r:id="rId17"/>
-    <p:sldId id="550" r:id="rId18"/>
-    <p:sldId id="555" r:id="rId19"/>
-    <p:sldId id="556" r:id="rId20"/>
-    <p:sldId id="613" r:id="rId21"/>
-    <p:sldId id="614" r:id="rId22"/>
-    <p:sldId id="615" r:id="rId23"/>
-    <p:sldId id="629" r:id="rId24"/>
-    <p:sldId id="630" r:id="rId25"/>
-    <p:sldId id="648" r:id="rId26"/>
-    <p:sldId id="650" r:id="rId27"/>
-    <p:sldId id="632" r:id="rId28"/>
-    <p:sldId id="635" r:id="rId29"/>
-    <p:sldId id="636" r:id="rId30"/>
-    <p:sldId id="637" r:id="rId31"/>
-    <p:sldId id="638" r:id="rId32"/>
+    <p:sldId id="652" r:id="rId11"/>
+    <p:sldId id="653" r:id="rId12"/>
+    <p:sldId id="439" r:id="rId13"/>
+    <p:sldId id="391" r:id="rId14"/>
+    <p:sldId id="544" r:id="rId15"/>
+    <p:sldId id="545" r:id="rId16"/>
+    <p:sldId id="546" r:id="rId17"/>
+    <p:sldId id="548" r:id="rId18"/>
+    <p:sldId id="549" r:id="rId19"/>
+    <p:sldId id="550" r:id="rId20"/>
+    <p:sldId id="555" r:id="rId21"/>
+    <p:sldId id="556" r:id="rId22"/>
+    <p:sldId id="613" r:id="rId23"/>
+    <p:sldId id="614" r:id="rId24"/>
+    <p:sldId id="615" r:id="rId25"/>
+    <p:sldId id="629" r:id="rId26"/>
+    <p:sldId id="630" r:id="rId27"/>
+    <p:sldId id="648" r:id="rId28"/>
+    <p:sldId id="650" r:id="rId29"/>
+    <p:sldId id="632" r:id="rId30"/>
+    <p:sldId id="635" r:id="rId31"/>
+    <p:sldId id="636" r:id="rId32"/>
+    <p:sldId id="637" r:id="rId33"/>
+    <p:sldId id="654" r:id="rId34"/>
   </p:sldIdLst>
   <p:sldSz cx="9144000" cy="5143500" type="screen16x9"/>
   <p:notesSz cx="6845300" cy="9396095"/>
@@ -2020,11 +2022,11 @@
 </file>
 
 <file path=ppt/notesSlides/notesSlide15.xml><?xml version="1.0" encoding="utf-8"?>
-<p:notes xmlns:a="http://schemas.openxmlformats.org/drawingml/2006/main" xmlns:r="http://schemas.openxmlformats.org/officeDocument/2006/relationships" xmlns:p="http://schemas.openxmlformats.org/presentationml/2006/main">
+<p:notes xmlns:a="http://schemas.openxmlformats.org/drawingml/2006/main" xmlns:r="http://schemas.openxmlformats.org/officeDocument/2006/relationships" xmlns:p="http://schemas.openxmlformats.org/presentationml/2006/main" showMasterPhAnim="0" showMasterSp="0">
   <p:cSld>
     <p:spTree>
       <p:nvGrpSpPr>
-        <p:cNvPr id="1" name=""/>
+        <p:cNvPr id="578" name="Shape 578"/>
         <p:cNvGrpSpPr/>
         <p:nvPr/>
       </p:nvGrpSpPr>
@@ -2038,247 +2040,77 @@
       </p:grpSpPr>
       <p:sp>
         <p:nvSpPr>
-          <p:cNvPr id="17410" name="Rectangle 7"/>
-          <p:cNvSpPr>
-            <a:spLocks noGrp="1" noChangeArrowheads="1"/>
-          </p:cNvSpPr>
-          <p:nvPr>
-            <p:ph type="sldNum" sz="quarter" idx="5"/>
+          <p:cNvPr id="579" name="Google Shape;579;g30abce0bbc2_0_935:notes"/>
+          <p:cNvSpPr txBox="1"/>
+          <p:nvPr>
+            <p:ph type="body" idx="1"/>
           </p:nvPr>
         </p:nvSpPr>
         <p:spPr>
-          <a:noFill/>
+          <a:xfrm>
+            <a:off x="685800" y="4400550"/>
+            <a:ext cx="5486400" cy="3600600"/>
+          </a:xfrm>
+          <a:prstGeom prst="rect">
+            <a:avLst/>
+          </a:prstGeom>
         </p:spPr>
         <p:txBody>
-          <a:bodyPr/>
-          <a:lstStyle>
-            <a:lvl1pPr eaLnBrk="0" hangingPunct="0">
-              <a:defRPr sz="2400">
-                <a:solidFill>
-                  <a:schemeClr val="tx1"/>
-                </a:solidFill>
-                <a:latin typeface="Lucida Sans" panose="020B0602030504020204" charset="0"/>
-                <a:ea typeface="MS PGothic" panose="020B0600070205080204" charset="-128"/>
-                <a:cs typeface="MS PGothic" panose="020B0600070205080204" charset="-128"/>
-              </a:defRPr>
-            </a:lvl1pPr>
-            <a:lvl2pPr marL="37931725" indent="-37474525" eaLnBrk="0" hangingPunct="0">
-              <a:defRPr sz="2400">
-                <a:solidFill>
-                  <a:schemeClr val="tx1"/>
-                </a:solidFill>
-                <a:latin typeface="Lucida Sans" panose="020B0602030504020204" charset="0"/>
-                <a:ea typeface="MS PGothic" panose="020B0600070205080204" charset="-128"/>
-              </a:defRPr>
-            </a:lvl2pPr>
-            <a:lvl3pPr eaLnBrk="0" hangingPunct="0">
-              <a:defRPr sz="2400">
-                <a:solidFill>
-                  <a:schemeClr val="tx1"/>
-                </a:solidFill>
-                <a:latin typeface="Lucida Sans" panose="020B0602030504020204" charset="0"/>
-                <a:ea typeface="MS PGothic" panose="020B0600070205080204" charset="-128"/>
-              </a:defRPr>
-            </a:lvl3pPr>
-            <a:lvl4pPr eaLnBrk="0" hangingPunct="0">
-              <a:defRPr sz="2400">
-                <a:solidFill>
-                  <a:schemeClr val="tx1"/>
-                </a:solidFill>
-                <a:latin typeface="Lucida Sans" panose="020B0602030504020204" charset="0"/>
-                <a:ea typeface="MS PGothic" panose="020B0600070205080204" charset="-128"/>
-              </a:defRPr>
-            </a:lvl4pPr>
-            <a:lvl5pPr eaLnBrk="0" hangingPunct="0">
-              <a:defRPr sz="2400">
-                <a:solidFill>
-                  <a:schemeClr val="tx1"/>
-                </a:solidFill>
-                <a:latin typeface="Lucida Sans" panose="020B0602030504020204" charset="0"/>
-                <a:ea typeface="MS PGothic" panose="020B0600070205080204" charset="-128"/>
-              </a:defRPr>
-            </a:lvl5pPr>
-            <a:lvl6pPr marL="457200" eaLnBrk="0" fontAlgn="base" hangingPunct="0">
+          <a:bodyPr spcFirstLastPara="1" wrap="square" lIns="91425" tIns="91425" rIns="91425" bIns="91425" anchor="t" anchorCtr="0">
+            <a:noAutofit/>
+          </a:bodyPr>
+          <a:lstStyle/>
+          <a:p>
+            <a:pPr marL="0" lvl="0" indent="0" algn="l" rtl="0">
               <a:spcBef>
-                <a:spcPct val="0"/>
+                <a:spcPts val="0"/>
               </a:spcBef>
               <a:spcAft>
-                <a:spcPct val="0"/>
+                <a:spcPts val="0"/>
               </a:spcAft>
-              <a:defRPr sz="2400">
-                <a:solidFill>
-                  <a:schemeClr val="tx1"/>
-                </a:solidFill>
-                <a:latin typeface="Lucida Sans" panose="020B0602030504020204" charset="0"/>
-                <a:ea typeface="MS PGothic" panose="020B0600070205080204" charset="-128"/>
-              </a:defRPr>
-            </a:lvl6pPr>
-            <a:lvl7pPr marL="914400" eaLnBrk="0" fontAlgn="base" hangingPunct="0">
-              <a:spcBef>
-                <a:spcPct val="0"/>
-              </a:spcBef>
-              <a:spcAft>
-                <a:spcPct val="0"/>
-              </a:spcAft>
-              <a:defRPr sz="2400">
-                <a:solidFill>
-                  <a:schemeClr val="tx1"/>
-                </a:solidFill>
-                <a:latin typeface="Lucida Sans" panose="020B0602030504020204" charset="0"/>
-                <a:ea typeface="MS PGothic" panose="020B0600070205080204" charset="-128"/>
-              </a:defRPr>
-            </a:lvl7pPr>
-            <a:lvl8pPr marL="1371600" eaLnBrk="0" fontAlgn="base" hangingPunct="0">
-              <a:spcBef>
-                <a:spcPct val="0"/>
-              </a:spcBef>
-              <a:spcAft>
-                <a:spcPct val="0"/>
-              </a:spcAft>
-              <a:defRPr sz="2400">
-                <a:solidFill>
-                  <a:schemeClr val="tx1"/>
-                </a:solidFill>
-                <a:latin typeface="Lucida Sans" panose="020B0602030504020204" charset="0"/>
-                <a:ea typeface="MS PGothic" panose="020B0600070205080204" charset="-128"/>
-              </a:defRPr>
-            </a:lvl8pPr>
-            <a:lvl9pPr marL="1828800" eaLnBrk="0" fontAlgn="base" hangingPunct="0">
-              <a:spcBef>
-                <a:spcPct val="0"/>
-              </a:spcBef>
-              <a:spcAft>
-                <a:spcPct val="0"/>
-              </a:spcAft>
-              <a:defRPr sz="2400">
-                <a:solidFill>
-                  <a:schemeClr val="tx1"/>
-                </a:solidFill>
-                <a:latin typeface="Lucida Sans" panose="020B0602030504020204" charset="0"/>
-                <a:ea typeface="MS PGothic" panose="020B0600070205080204" charset="-128"/>
-              </a:defRPr>
-            </a:lvl9pPr>
-          </a:lstStyle>
-          <a:p>
-            <a:pPr marL="0" marR="0" lvl="0" indent="0" algn="r" defTabSz="914400" rtl="0" eaLnBrk="1" fontAlgn="base" latinLnBrk="0" hangingPunct="1">
-              <a:lnSpc>
-                <a:spcPct val="100000"/>
-              </a:lnSpc>
-              <a:spcBef>
-                <a:spcPct val="0"/>
-              </a:spcBef>
-              <a:spcAft>
-                <a:spcPct val="0"/>
-              </a:spcAft>
-              <a:buClrTx/>
-              <a:buSzTx/>
-              <a:buFontTx/>
               <a:buNone/>
-              <a:defRPr/>
             </a:pPr>
-            <a:fld id="{E69DF897-5E92-F241-9A21-E64EA536231D}" type="slidenum">
-              <a:rPr kumimoji="0" lang="en-US" sz="1200" b="0" i="0" u="none" strike="noStrike" kern="1200" cap="none" spc="0" normalizeH="0" baseline="0" noProof="0">
-                <a:ln>
-                  <a:noFill/>
-                </a:ln>
-                <a:solidFill>
-                  <a:srgbClr val="000000"/>
-                </a:solidFill>
-                <a:effectLst/>
-                <a:uLnTx/>
-                <a:uFillTx/>
-                <a:latin typeface="Lucida Sans" panose="020B0602030504020204" charset="0"/>
-                <a:ea typeface="MS PGothic" panose="020B0600070205080204" charset="-128"/>
-              </a:rPr>
-            </a:fld>
-            <a:endParaRPr kumimoji="0" lang="en-US" sz="1200" b="0" i="0" u="none" strike="noStrike" kern="1200" cap="none" spc="0" normalizeH="0" baseline="0" noProof="0">
-              <a:ln>
-                <a:noFill/>
-              </a:ln>
-              <a:solidFill>
-                <a:srgbClr val="000000"/>
-              </a:solidFill>
-              <a:effectLst/>
-              <a:uLnTx/>
-              <a:uFillTx/>
-              <a:latin typeface="Lucida Sans" panose="020B0602030504020204" charset="0"/>
-              <a:ea typeface="MS PGothic" panose="020B0600070205080204" charset="-128"/>
-            </a:endParaRPr>
-          </a:p>
-        </p:txBody>
-      </p:sp>
-      <p:sp>
-        <p:nvSpPr>
-          <p:cNvPr id="17411" name="Rectangle 2"/>
-          <p:cNvSpPr>
-            <a:spLocks noGrp="1" noRot="1" noChangeAspect="1" noChangeArrowheads="1" noTextEdit="1"/>
-          </p:cNvSpPr>
-          <p:nvPr>
-            <p:ph type="sldImg"/>
+          </a:p>
+        </p:txBody>
+      </p:sp>
+      <p:sp>
+        <p:nvSpPr>
+          <p:cNvPr id="580" name="Google Shape;580;g30abce0bbc2_0_935:notes"/>
+          <p:cNvSpPr/>
+          <p:nvPr>
+            <p:ph type="sldImg" idx="2"/>
           </p:nvPr>
         </p:nvSpPr>
         <p:spPr>
           <a:xfrm>
-            <a:off x="290513" y="704850"/>
-            <a:ext cx="6264275" cy="3524250"/>
+            <a:off x="685800" y="1143000"/>
+            <a:ext cx="5486400" cy="3086100"/>
           </a:xfrm>
+          <a:custGeom>
+            <a:avLst/>
+            <a:gdLst/>
+            <a:ahLst/>
+            <a:cxnLst/>
+            <a:rect l="l" t="t" r="r" b="b"/>
+            <a:pathLst>
+              <a:path w="120000" h="120000" extrusionOk="0">
+                <a:moveTo>
+                  <a:pt x="0" y="0"/>
+                </a:moveTo>
+                <a:lnTo>
+                  <a:pt x="120000" y="0"/>
+                </a:lnTo>
+                <a:lnTo>
+                  <a:pt x="120000" y="120000"/>
+                </a:lnTo>
+                <a:lnTo>
+                  <a:pt x="0" y="120000"/>
+                </a:lnTo>
+                <a:close/>
+              </a:path>
+            </a:pathLst>
+          </a:custGeom>
         </p:spPr>
-      </p:sp>
-      <p:sp>
-        <p:nvSpPr>
-          <p:cNvPr id="17412" name="Rectangle 3"/>
-          <p:cNvSpPr>
-            <a:spLocks noGrp="1" noChangeArrowheads="1"/>
-          </p:cNvSpPr>
-          <p:nvPr>
-            <p:ph type="body" idx="1"/>
-          </p:nvPr>
-        </p:nvSpPr>
-        <p:spPr>
-          <a:noFill/>
-        </p:spPr>
-        <p:txBody>
-          <a:bodyPr/>
-          <a:lstStyle/>
-          <a:p>
-            <a:pPr marL="0" marR="0" lvl="0" indent="0" algn="l" defTabSz="914400" rtl="0" eaLnBrk="0" fontAlgn="base" latinLnBrk="0" hangingPunct="0">
-              <a:lnSpc>
-                <a:spcPct val="100000"/>
-              </a:lnSpc>
-              <a:spcBef>
-                <a:spcPct val="30000"/>
-              </a:spcBef>
-              <a:spcAft>
-                <a:spcPct val="0"/>
-              </a:spcAft>
-              <a:buClrTx/>
-              <a:buSzTx/>
-              <a:buFontTx/>
-              <a:buNone/>
-              <a:defRPr/>
-            </a:pPr>
-            <a:r>
-              <a:rPr lang="en-US" dirty="0">
-                <a:latin typeface="Arial" panose="020B0604020202020204" pitchFamily="34" charset="0"/>
-                <a:ea typeface="MS PGothic" panose="020B0600070205080204" charset="-128"/>
-                <a:cs typeface="MS PGothic" panose="020B0600070205080204" charset="-128"/>
-              </a:rPr>
-              <a:t>We'll be using precision, recall, and F1 constantly in evaluating NLP classifiers, since they are more appropriate than accuracy when classes are imbalanced.</a:t>
-            </a:r>
-            <a:endParaRPr lang="en-US" dirty="0">
-              <a:latin typeface="Arial" panose="020B0604020202020204" pitchFamily="34" charset="0"/>
-              <a:ea typeface="MS PGothic" panose="020B0600070205080204" charset="-128"/>
-              <a:cs typeface="MS PGothic" panose="020B0600070205080204" charset="-128"/>
-            </a:endParaRPr>
-          </a:p>
-          <a:p>
-            <a:endParaRPr lang="en-US" dirty="0">
-              <a:latin typeface="Arial" panose="020B0604020202020204" pitchFamily="34" charset="0"/>
-              <a:ea typeface="MS PGothic" panose="020B0600070205080204" charset="-128"/>
-              <a:cs typeface="MS PGothic" panose="020B0600070205080204" charset="-128"/>
-            </a:endParaRPr>
-          </a:p>
-        </p:txBody>
       </p:sp>
     </p:spTree>
   </p:cSld>
@@ -13378,6 +13210,380 @@
       </p:grpSpPr>
       <p:sp>
         <p:nvSpPr>
+          <p:cNvPr id="29698" name="Rectangle 4"/>
+          <p:cNvSpPr>
+            <a:spLocks noGrp="1" noChangeArrowheads="1"/>
+          </p:cNvSpPr>
+          <p:nvPr>
+            <p:ph type="title"/>
+          </p:nvPr>
+        </p:nvSpPr>
+        <p:spPr>
+          <a:xfrm>
+            <a:off x="685800" y="285750"/>
+            <a:ext cx="7543800" cy="680397"/>
+          </a:xfrm>
+        </p:spPr>
+        <p:txBody>
+          <a:bodyPr>
+            <a:normAutofit fontScale="90000"/>
+          </a:bodyPr>
+          <a:lstStyle/>
+          <a:p>
+            <a:r>
+              <a:rPr lang="en-US" sz="3600" dirty="0"/>
+              <a:t>Classification Methods:</a:t>
+            </a:r>
+            <a:br>
+              <a:rPr lang="en-US" sz="3600" dirty="0"/>
+            </a:br>
+            <a:r>
+              <a:rPr lang="en-US" sz="3600" dirty="0"/>
+              <a:t>Supervised Machine Learning</a:t>
+            </a:r>
+            <a:endParaRPr lang="en-US" sz="3600" dirty="0"/>
+          </a:p>
+        </p:txBody>
+      </p:sp>
+      <p:sp>
+        <p:nvSpPr>
+          <p:cNvPr id="29699" name="Rectangle 5"/>
+          <p:cNvSpPr>
+            <a:spLocks noGrp="1" noChangeArrowheads="1"/>
+          </p:cNvSpPr>
+          <p:nvPr>
+            <p:ph idx="1"/>
+          </p:nvPr>
+        </p:nvSpPr>
+        <p:spPr>
+          <a:xfrm>
+            <a:off x="822960" y="1200150"/>
+            <a:ext cx="8016240" cy="3886200"/>
+          </a:xfrm>
+        </p:spPr>
+        <p:txBody>
+          <a:bodyPr>
+            <a:normAutofit fontScale="92500" lnSpcReduction="10000"/>
+          </a:bodyPr>
+          <a:lstStyle/>
+          <a:p>
+            <a:r>
+              <a:rPr lang="en-US" sz="3200" dirty="0">
+                <a:latin typeface="Calibri" panose="020F0502020204030204" pitchFamily="34" charset="0"/>
+              </a:rPr>
+              <a:t>Many kinds of classifiers!</a:t>
+            </a:r>
+            <a:endParaRPr lang="en-US" sz="3200" dirty="0">
+              <a:latin typeface="Calibri" panose="020F0502020204030204" pitchFamily="34" charset="0"/>
+            </a:endParaRPr>
+          </a:p>
+          <a:p>
+            <a:pPr lvl="1">
+              <a:buFont typeface="Arial" panose="020B0604020202020204" pitchFamily="34" charset="0"/>
+              <a:buChar char="•"/>
+            </a:pPr>
+            <a:r>
+              <a:rPr lang="en-US" sz="2800" b="1" dirty="0">
+                <a:latin typeface="Calibri" panose="020F0502020204030204" pitchFamily="34" charset="0"/>
+              </a:rPr>
+              <a:t>Na</a:t>
+            </a:r>
+            <a:r>
+              <a:rPr lang="fr-FR" sz="2800" b="1" dirty="0" err="1">
+                <a:latin typeface="Calibri" panose="020F0502020204030204" pitchFamily="34" charset="0"/>
+              </a:rPr>
+              <a:t>ï</a:t>
+            </a:r>
+            <a:r>
+              <a:rPr lang="en-US" sz="2800" b="1" dirty="0" err="1">
+                <a:latin typeface="Calibri" panose="020F0502020204030204" pitchFamily="34" charset="0"/>
+              </a:rPr>
+              <a:t>ve</a:t>
+            </a:r>
+            <a:r>
+              <a:rPr lang="en-US" sz="2800" b="1" dirty="0">
+                <a:latin typeface="Calibri" panose="020F0502020204030204" pitchFamily="34" charset="0"/>
+              </a:rPr>
+              <a:t> Bayes (this lecture)</a:t>
+            </a:r>
+            <a:endParaRPr lang="en-US" sz="2800" b="1" dirty="0">
+              <a:latin typeface="Calibri" panose="020F0502020204030204" pitchFamily="34" charset="0"/>
+            </a:endParaRPr>
+          </a:p>
+          <a:p>
+            <a:pPr lvl="1">
+              <a:buFont typeface="Arial" panose="020B0604020202020204" pitchFamily="34" charset="0"/>
+              <a:buChar char="•"/>
+            </a:pPr>
+            <a:r>
+              <a:rPr lang="en-US" sz="2800" dirty="0">
+                <a:latin typeface="Calibri" panose="020F0502020204030204" pitchFamily="34" charset="0"/>
+              </a:rPr>
+              <a:t>Logistic regression  </a:t>
+            </a:r>
+            <a:endParaRPr lang="en-US" sz="2800" dirty="0">
+              <a:latin typeface="Calibri" panose="020F0502020204030204" pitchFamily="34" charset="0"/>
+            </a:endParaRPr>
+          </a:p>
+          <a:p>
+            <a:pPr lvl="1">
+              <a:buFont typeface="Arial" panose="020B0604020202020204" pitchFamily="34" charset="0"/>
+              <a:buChar char="•"/>
+            </a:pPr>
+            <a:r>
+              <a:rPr lang="en-US" sz="2800" dirty="0">
+                <a:latin typeface="Calibri" panose="020F0502020204030204" pitchFamily="34" charset="0"/>
+              </a:rPr>
+              <a:t>Neural networks</a:t>
+            </a:r>
+            <a:endParaRPr lang="en-US" sz="2800" dirty="0">
+              <a:latin typeface="Calibri" panose="020F0502020204030204" pitchFamily="34" charset="0"/>
+            </a:endParaRPr>
+          </a:p>
+          <a:p>
+            <a:pPr lvl="1">
+              <a:buFont typeface="Arial" panose="020B0604020202020204" pitchFamily="34" charset="0"/>
+              <a:buChar char="•"/>
+            </a:pPr>
+            <a:r>
+              <a:rPr lang="en-US" sz="2800" i="1" dirty="0">
+                <a:latin typeface="Calibri" panose="020F0502020204030204" pitchFamily="34" charset="0"/>
+              </a:rPr>
+              <a:t>k</a:t>
+            </a:r>
+            <a:r>
+              <a:rPr lang="en-US" sz="2800" dirty="0">
+                <a:latin typeface="Calibri" panose="020F0502020204030204" pitchFamily="34" charset="0"/>
+              </a:rPr>
+              <a:t>-nearest neighbors</a:t>
+            </a:r>
+            <a:endParaRPr lang="en-US" sz="2800" dirty="0">
+              <a:latin typeface="Calibri" panose="020F0502020204030204" pitchFamily="34" charset="0"/>
+            </a:endParaRPr>
+          </a:p>
+          <a:p>
+            <a:pPr lvl="1">
+              <a:buFont typeface="Arial" panose="020B0604020202020204" pitchFamily="34" charset="0"/>
+              <a:buChar char="•"/>
+            </a:pPr>
+            <a:r>
+              <a:rPr lang="en-US" sz="2800">
+                <a:latin typeface="Calibri" panose="020F0502020204030204" pitchFamily="34" charset="0"/>
+              </a:rPr>
+              <a:t>…</a:t>
+            </a:r>
+            <a:endParaRPr lang="en-US" sz="2800" dirty="0">
+              <a:latin typeface="Calibri" panose="020F0502020204030204" pitchFamily="34" charset="0"/>
+            </a:endParaRPr>
+          </a:p>
+          <a:p>
+            <a:pPr lvl="1">
+              <a:buFont typeface="Arial" panose="020B0604020202020204" pitchFamily="34" charset="0"/>
+              <a:buChar char="•"/>
+            </a:pPr>
+            <a:endParaRPr lang="en-US" sz="1700" dirty="0">
+              <a:latin typeface="Calibri" panose="020F0502020204030204" pitchFamily="34" charset="0"/>
+            </a:endParaRPr>
+          </a:p>
+          <a:p>
+            <a:pPr marL="151130" lvl="1" indent="0">
+              <a:buNone/>
+            </a:pPr>
+            <a:r>
+              <a:rPr lang="en-US" sz="3200" dirty="0">
+                <a:latin typeface="Calibri" panose="020F0502020204030204" pitchFamily="34" charset="0"/>
+              </a:rPr>
+              <a:t>We can also use pretrained large language models!</a:t>
+            </a:r>
+            <a:endParaRPr lang="en-US" sz="3200" dirty="0">
+              <a:latin typeface="Calibri" panose="020F0502020204030204" pitchFamily="34" charset="0"/>
+            </a:endParaRPr>
+          </a:p>
+          <a:p>
+            <a:pPr lvl="2">
+              <a:buFont typeface="Arial" panose="020B0604020202020204" pitchFamily="34" charset="0"/>
+              <a:buChar char="•"/>
+            </a:pPr>
+            <a:r>
+              <a:rPr lang="en-US" sz="2800" dirty="0">
+                <a:latin typeface="Calibri" panose="020F0502020204030204" pitchFamily="34" charset="0"/>
+              </a:rPr>
+              <a:t>Fine-tuned as classifiers</a:t>
+            </a:r>
+            <a:endParaRPr lang="en-US" sz="2800" dirty="0">
+              <a:latin typeface="Calibri" panose="020F0502020204030204" pitchFamily="34" charset="0"/>
+            </a:endParaRPr>
+          </a:p>
+          <a:p>
+            <a:pPr lvl="2">
+              <a:buFont typeface="Arial" panose="020B0604020202020204" pitchFamily="34" charset="0"/>
+              <a:buChar char="•"/>
+            </a:pPr>
+            <a:r>
+              <a:rPr lang="en-US" sz="2800" dirty="0">
+                <a:latin typeface="Calibri" panose="020F0502020204030204" pitchFamily="34" charset="0"/>
+              </a:rPr>
+              <a:t>Prompted to give a classification</a:t>
+            </a:r>
+            <a:endParaRPr lang="en-US" sz="2800" dirty="0">
+              <a:latin typeface="Calibri" panose="020F0502020204030204" pitchFamily="34" charset="0"/>
+            </a:endParaRPr>
+          </a:p>
+        </p:txBody>
+      </p:sp>
+    </p:spTree>
+  </p:cSld>
+  <p:clrMapOvr>
+    <a:masterClrMapping/>
+  </p:clrMapOvr>
+  <p:transition/>
+</p:sld>
+</file>
+
+<file path=ppt/slides/slide11.xml><?xml version="1.0" encoding="utf-8"?>
+<p:sld xmlns:a="http://schemas.openxmlformats.org/drawingml/2006/main" xmlns:r="http://schemas.openxmlformats.org/officeDocument/2006/relationships" xmlns:p="http://schemas.openxmlformats.org/presentationml/2006/main">
+  <p:cSld>
+    <p:spTree>
+      <p:nvGrpSpPr>
+        <p:cNvPr id="1" name=""/>
+        <p:cNvGrpSpPr/>
+        <p:nvPr/>
+      </p:nvGrpSpPr>
+      <p:grpSpPr>
+        <a:xfrm>
+          <a:off x="0" y="0"/>
+          <a:ext cx="0" cy="0"/>
+          <a:chOff x="0" y="0"/>
+          <a:chExt cx="0" cy="0"/>
+        </a:xfrm>
+      </p:grpSpPr>
+      <p:sp>
+        <p:nvSpPr>
+          <p:cNvPr id="16386" name="Rectangle 5"/>
+          <p:cNvSpPr>
+            <a:spLocks noGrp="1" noChangeArrowheads="1"/>
+          </p:cNvSpPr>
+          <p:nvPr>
+            <p:ph type="title"/>
+          </p:nvPr>
+        </p:nvSpPr>
+        <p:spPr/>
+        <p:txBody>
+          <a:bodyPr>
+            <a:noAutofit/>
+          </a:bodyPr>
+          <a:lstStyle/>
+          <a:p>
+            <a:r>
+              <a:rPr lang="en-US" sz="3400">
+                <a:latin typeface="Calibri (Headings)"/>
+                <a:cs typeface="Calibri (Headings)"/>
+              </a:rPr>
+              <a:t>Text Classification and Na</a:t>
+            </a:r>
+            <a:r>
+              <a:rPr lang="fr-FR" sz="3400">
+                <a:latin typeface="Calibri (Headings)"/>
+                <a:cs typeface="Calibri (Headings)"/>
+              </a:rPr>
+              <a:t>i</a:t>
+            </a:r>
+            <a:r>
+              <a:rPr lang="en-US" sz="3400" err="1">
+                <a:latin typeface="Calibri (Headings)"/>
+                <a:cs typeface="Calibri (Headings)"/>
+              </a:rPr>
+              <a:t>ve</a:t>
+            </a:r>
+            <a:r>
+              <a:rPr lang="en-US" sz="3400">
+                <a:latin typeface="Calibri (Headings)"/>
+                <a:cs typeface="Calibri (Headings)"/>
+              </a:rPr>
+              <a:t> Bayes</a:t>
+            </a:r>
+            <a:endParaRPr lang="en-US" sz="3400">
+              <a:latin typeface="Calibri (Headings)"/>
+              <a:ea typeface="MS PGothic" panose="020B0600070205080204" charset="-128"/>
+              <a:cs typeface="Calibri (Headings)"/>
+            </a:endParaRPr>
+          </a:p>
+        </p:txBody>
+      </p:sp>
+      <p:sp>
+        <p:nvSpPr>
+          <p:cNvPr id="16387" name="Rectangle 6"/>
+          <p:cNvSpPr>
+            <a:spLocks noGrp="1" noChangeArrowheads="1"/>
+          </p:cNvSpPr>
+          <p:nvPr>
+            <p:ph idx="1"/>
+          </p:nvPr>
+        </p:nvSpPr>
+        <p:spPr>
+          <a:xfrm>
+            <a:off x="3460238" y="285750"/>
+            <a:ext cx="5009393" cy="4206240"/>
+          </a:xfrm>
+        </p:spPr>
+        <p:txBody>
+          <a:bodyPr/>
+          <a:lstStyle/>
+          <a:p>
+            <a:pPr eaLnBrk="1" hangingPunct="1">
+              <a:buFont typeface="Times" charset="0"/>
+              <a:buNone/>
+            </a:pPr>
+            <a:r>
+              <a:rPr lang="en-US" sz="3600">
+                <a:solidFill>
+                  <a:srgbClr val="A4001D"/>
+                </a:solidFill>
+                <a:latin typeface="Calibri" panose="020F0502020204030204"/>
+                <a:ea typeface="MS PGothic" panose="020B0600070205080204" charset="-128"/>
+                <a:cs typeface="Calibri" panose="020F0502020204030204"/>
+              </a:rPr>
+              <a:t>The Naive Bayes Classifier</a:t>
+            </a:r>
+            <a:endParaRPr lang="en-US" sz="3600">
+              <a:solidFill>
+                <a:srgbClr val="A4001D"/>
+              </a:solidFill>
+              <a:latin typeface="Calibri" panose="020F0502020204030204"/>
+              <a:ea typeface="MS PGothic" panose="020B0600070205080204" charset="-128"/>
+              <a:cs typeface="Calibri" panose="020F0502020204030204"/>
+            </a:endParaRPr>
+          </a:p>
+        </p:txBody>
+      </p:sp>
+    </p:spTree>
+  </p:cSld>
+  <p:clrMapOvr>
+    <a:masterClrMapping/>
+  </p:clrMapOvr>
+  <p:transition/>
+</p:sld>
+</file>
+
+<file path=ppt/slides/slide12.xml><?xml version="1.0" encoding="utf-8"?>
+<p:sld xmlns:a="http://schemas.openxmlformats.org/drawingml/2006/main" xmlns:r="http://schemas.openxmlformats.org/officeDocument/2006/relationships" xmlns:p="http://schemas.openxmlformats.org/presentationml/2006/main">
+  <p:cSld>
+    <p:spTree>
+      <p:nvGrpSpPr>
+        <p:cNvPr id="1" name=""/>
+        <p:cNvGrpSpPr/>
+        <p:nvPr/>
+      </p:nvGrpSpPr>
+      <p:grpSpPr>
+        <a:xfrm>
+          <a:off x="0" y="0"/>
+          <a:ext cx="0" cy="0"/>
+          <a:chOff x="0" y="0"/>
+          <a:chExt cx="0" cy="0"/>
+        </a:xfrm>
+      </p:grpSpPr>
+      <p:sp>
+        <p:nvSpPr>
           <p:cNvPr id="31746" name="Title 1"/>
           <p:cNvSpPr>
             <a:spLocks noGrp="1"/>
@@ -13467,7 +13673,7 @@
 </p:sld>
 </file>
 
-<file path=ppt/slides/slide11.xml><?xml version="1.0" encoding="utf-8"?>
+<file path=ppt/slides/slide13.xml><?xml version="1.0" encoding="utf-8"?>
 <p:sld xmlns:a="http://schemas.openxmlformats.org/drawingml/2006/main" xmlns:r="http://schemas.openxmlformats.org/officeDocument/2006/relationships" xmlns:p="http://schemas.openxmlformats.org/presentationml/2006/main">
   <p:cSld>
     <p:spTree>
@@ -13795,7 +14001,7 @@
 </p:sld>
 </file>
 
-<file path=ppt/slides/slide12.xml><?xml version="1.0" encoding="utf-8"?>
+<file path=ppt/slides/slide14.xml><?xml version="1.0" encoding="utf-8"?>
 <p:sld xmlns:a="http://schemas.openxmlformats.org/drawingml/2006/main" xmlns:r="http://schemas.openxmlformats.org/officeDocument/2006/relationships" xmlns:p="http://schemas.openxmlformats.org/presentationml/2006/main">
   <p:cSld>
     <p:spTree>
@@ -13968,7 +14174,7 @@
 </p:sld>
 </file>
 
-<file path=ppt/slides/slide13.xml><?xml version="1.0" encoding="utf-8"?>
+<file path=ppt/slides/slide15.xml><?xml version="1.0" encoding="utf-8"?>
 <p:sld xmlns:a="http://schemas.openxmlformats.org/drawingml/2006/main" xmlns:r="http://schemas.openxmlformats.org/officeDocument/2006/relationships" xmlns:p="http://schemas.openxmlformats.org/presentationml/2006/main">
   <p:cSld>
     <p:spTree>
@@ -14601,7 +14807,7 @@
 </p:sld>
 </file>
 
-<file path=ppt/slides/slide14.xml><?xml version="1.0" encoding="utf-8"?>
+<file path=ppt/slides/slide16.xml><?xml version="1.0" encoding="utf-8"?>
 <p:sld xmlns:a="http://schemas.openxmlformats.org/drawingml/2006/main" xmlns:r="http://schemas.openxmlformats.org/officeDocument/2006/relationships" xmlns:p="http://schemas.openxmlformats.org/presentationml/2006/main">
   <p:cSld>
     <p:spTree>
@@ -15211,7 +15417,7 @@
 </p:sld>
 </file>
 
-<file path=ppt/slides/slide15.xml><?xml version="1.0" encoding="utf-8"?>
+<file path=ppt/slides/slide17.xml><?xml version="1.0" encoding="utf-8"?>
 <p:sld xmlns:a="http://schemas.openxmlformats.org/drawingml/2006/main" xmlns:r="http://schemas.openxmlformats.org/officeDocument/2006/relationships" xmlns:p="http://schemas.openxmlformats.org/presentationml/2006/main">
   <p:cSld>
     <p:spTree>
@@ -15638,7 +15844,7 @@
 </p:sld>
 </file>
 
-<file path=ppt/slides/slide16.xml><?xml version="1.0" encoding="utf-8"?>
+<file path=ppt/slides/slide18.xml><?xml version="1.0" encoding="utf-8"?>
 <p:sld xmlns:a="http://schemas.openxmlformats.org/drawingml/2006/main" xmlns:r="http://schemas.openxmlformats.org/officeDocument/2006/relationships" xmlns:p="http://schemas.openxmlformats.org/presentationml/2006/main">
   <p:cSld>
     <p:spTree>
@@ -15691,7 +15897,7 @@
         <p:spPr>
           <a:xfrm>
             <a:off x="822960" y="1047750"/>
-            <a:ext cx="8244840" cy="3976048"/>
+            <a:ext cx="8244840" cy="3386455"/>
           </a:xfrm>
         </p:spPr>
         <p:txBody>
@@ -15752,25 +15958,27 @@
             <a:pPr marL="0" indent="0">
               <a:buNone/>
             </a:pPr>
+            <a:endParaRPr lang="en-US" sz="2000">
+              <a:latin typeface="Calibri" panose="020F0502020204030204" pitchFamily="34" charset="0"/>
+            </a:endParaRPr>
+          </a:p>
+          <a:p>
+            <a:pPr marL="0" indent="0">
+              <a:buNone/>
+            </a:pPr>
+            <a:endParaRPr lang="en-US" sz="2000">
+              <a:latin typeface="Calibri" panose="020F0502020204030204" pitchFamily="34" charset="0"/>
+            </a:endParaRPr>
+          </a:p>
+          <a:p>
+            <a:pPr marL="0" indent="0">
+              <a:buNone/>
+            </a:pPr>
             <a:r>
               <a:rPr lang="en-US" sz="2000">
                 <a:latin typeface="Calibri" panose="020F0502020204030204" pitchFamily="34" charset="0"/>
               </a:rPr>
-              <a:t>Notes:</a:t>
-            </a:r>
-            <a:endParaRPr lang="en-US" sz="700">
-              <a:latin typeface="Calibri" panose="020F0502020204030204" pitchFamily="34" charset="0"/>
-            </a:endParaRPr>
-          </a:p>
-          <a:p>
-            <a:pPr marL="396875" lvl="1" indent="0">
-              <a:buNone/>
-            </a:pPr>
-            <a:r>
-              <a:rPr lang="en-US" sz="2000">
-                <a:latin typeface="Calibri" panose="020F0502020204030204" pitchFamily="34" charset="0"/>
-              </a:rPr>
-              <a:t>1) Taking log doesn't change the ranking of classes!</a:t>
+              <a:t>Note: Taking log doesn't change the ranking of classes!</a:t>
             </a:r>
             <a:endParaRPr lang="en-US" sz="2000">
               <a:latin typeface="Calibri" panose="020F0502020204030204" pitchFamily="34" charset="0"/>
@@ -15794,58 +16002,6 @@
             <a:pPr marL="396875" lvl="1" indent="0">
               <a:buNone/>
             </a:pPr>
-            <a:r>
-              <a:rPr lang="en-US" sz="2000">
-                <a:latin typeface="Calibri" panose="020F0502020204030204" pitchFamily="34" charset="0"/>
-              </a:rPr>
-              <a:t>2) It's a linear model:</a:t>
-            </a:r>
-            <a:endParaRPr lang="en-US" sz="2000">
-              <a:latin typeface="Calibri" panose="020F0502020204030204" pitchFamily="34" charset="0"/>
-            </a:endParaRPr>
-          </a:p>
-          <a:p>
-            <a:pPr marL="396875" lvl="1" indent="0">
-              <a:buNone/>
-            </a:pPr>
-            <a:r>
-              <a:rPr lang="en-US" sz="2000">
-                <a:latin typeface="Calibri" panose="020F0502020204030204" pitchFamily="34" charset="0"/>
-              </a:rPr>
-              <a:t>	Just a max of a sum of weights: a </a:t>
-            </a:r>
-            <a:r>
-              <a:rPr lang="en-US" sz="2000" b="1">
-                <a:latin typeface="Calibri" panose="020F0502020204030204" pitchFamily="34" charset="0"/>
-              </a:rPr>
-              <a:t>linear</a:t>
-            </a:r>
-            <a:r>
-              <a:rPr lang="en-US" sz="2000">
-                <a:latin typeface="Calibri" panose="020F0502020204030204" pitchFamily="34" charset="0"/>
-              </a:rPr>
-              <a:t> function of the inputs</a:t>
-            </a:r>
-            <a:endParaRPr lang="en-US" sz="2000">
-              <a:latin typeface="Calibri" panose="020F0502020204030204" pitchFamily="34" charset="0"/>
-            </a:endParaRPr>
-          </a:p>
-          <a:p>
-            <a:pPr marL="396875" lvl="1" indent="0">
-              <a:buNone/>
-            </a:pPr>
-            <a:r>
-              <a:rPr lang="en-US" sz="2000">
-                <a:latin typeface="Calibri" panose="020F0502020204030204" pitchFamily="34" charset="0"/>
-              </a:rPr>
-              <a:t>	So naive bayes is a </a:t>
-            </a:r>
-            <a:r>
-              <a:rPr lang="en-US" sz="2000" b="1">
-                <a:latin typeface="Calibri" panose="020F0502020204030204" pitchFamily="34" charset="0"/>
-              </a:rPr>
-              <a:t>linear classifier</a:t>
-            </a:r>
             <a:endParaRPr lang="en-US" sz="2000" b="1">
               <a:latin typeface="Calibri" panose="020F0502020204030204" pitchFamily="34" charset="0"/>
             </a:endParaRPr>
@@ -16219,7 +16375,7 @@
                                         <p:tgtEl>
                                           <p:spTgt spid="54276">
                                             <p:txEl>
-                                              <p:pRg st="5" end="5"/>
+                                              <p:pRg st="7" end="7"/>
                                             </p:txEl>
                                           </p:spTgt>
                                         </p:tgtEl>
@@ -16250,149 +16406,7 @@
                                         <p:tgtEl>
                                           <p:spTgt spid="54276">
                                             <p:txEl>
-                                              <p:pRg st="6" end="6"/>
-                                            </p:txEl>
-                                          </p:spTgt>
-                                        </p:tgtEl>
-                                        <p:attrNameLst>
-                                          <p:attrName>style.visibility</p:attrName>
-                                        </p:attrNameLst>
-                                      </p:cBhvr>
-                                      <p:to>
-                                        <p:strVal val="visible"/>
-                                      </p:to>
-                                    </p:set>
-                                  </p:childTnLst>
-                                </p:cTn>
-                              </p:par>
-                              <p:par>
-                                <p:cTn id="25" presetID="1" presetClass="entr" presetSubtype="0" fill="hold" nodeType="withEffect">
-                                  <p:stCondLst>
-                                    <p:cond delay="0"/>
-                                  </p:stCondLst>
-                                  <p:childTnLst>
-                                    <p:set>
-                                      <p:cBhvr>
-                                        <p:cTn id="26" dur="1" fill="hold">
-                                          <p:stCondLst>
-                                            <p:cond delay="0"/>
-                                          </p:stCondLst>
-                                        </p:cTn>
-                                        <p:tgtEl>
-                                          <p:spTgt spid="54276">
-                                            <p:txEl>
-                                              <p:pRg st="7" end="7"/>
-                                            </p:txEl>
-                                          </p:spTgt>
-                                        </p:tgtEl>
-                                        <p:attrNameLst>
-                                          <p:attrName>style.visibility</p:attrName>
-                                        </p:attrNameLst>
-                                      </p:cBhvr>
-                                      <p:to>
-                                        <p:strVal val="visible"/>
-                                      </p:to>
-                                    </p:set>
-                                  </p:childTnLst>
-                                </p:cTn>
-                              </p:par>
-                            </p:childTnLst>
-                          </p:cTn>
-                        </p:par>
-                      </p:childTnLst>
-                    </p:cTn>
-                  </p:par>
-                  <p:par>
-                    <p:cTn id="27" fill="hold">
-                      <p:stCondLst>
-                        <p:cond delay="indefinite"/>
-                      </p:stCondLst>
-                      <p:childTnLst>
-                        <p:par>
-                          <p:cTn id="28" fill="hold">
-                            <p:stCondLst>
-                              <p:cond delay="0"/>
-                            </p:stCondLst>
-                            <p:childTnLst>
-                              <p:par>
-                                <p:cTn id="29" presetID="1" presetClass="entr" presetSubtype="0" fill="hold" nodeType="clickEffect">
-                                  <p:stCondLst>
-                                    <p:cond delay="0"/>
-                                  </p:stCondLst>
-                                  <p:childTnLst>
-                                    <p:set>
-                                      <p:cBhvr>
-                                        <p:cTn id="30" dur="1" fill="hold">
-                                          <p:stCondLst>
-                                            <p:cond delay="0"/>
-                                          </p:stCondLst>
-                                        </p:cTn>
-                                        <p:tgtEl>
-                                          <p:spTgt spid="54276">
-                                            <p:txEl>
                                               <p:pRg st="8" end="8"/>
-                                            </p:txEl>
-                                          </p:spTgt>
-                                        </p:tgtEl>
-                                        <p:attrNameLst>
-                                          <p:attrName>style.visibility</p:attrName>
-                                        </p:attrNameLst>
-                                      </p:cBhvr>
-                                      <p:to>
-                                        <p:strVal val="visible"/>
-                                      </p:to>
-                                    </p:set>
-                                  </p:childTnLst>
-                                </p:cTn>
-                              </p:par>
-                              <p:par>
-                                <p:cTn id="31" presetID="1" presetClass="entr" presetSubtype="0" fill="hold" nodeType="withEffect">
-                                  <p:stCondLst>
-                                    <p:cond delay="0"/>
-                                  </p:stCondLst>
-                                  <p:childTnLst>
-                                    <p:set>
-                                      <p:cBhvr>
-                                        <p:cTn id="32" dur="1" fill="hold">
-                                          <p:stCondLst>
-                                            <p:cond delay="0"/>
-                                          </p:stCondLst>
-                                        </p:cTn>
-                                        <p:tgtEl>
-                                          <p:spTgt spid="54276">
-                                            <p:txEl>
-                                              <p:pRg st="9" end="9"/>
-                                            </p:txEl>
-                                          </p:spTgt>
-                                        </p:tgtEl>
-                                        <p:attrNameLst>
-                                          <p:attrName>style.visibility</p:attrName>
-                                        </p:attrNameLst>
-                                      </p:cBhvr>
-                                      <p:to>
-                                        <p:strVal val="visible"/>
-                                      </p:to>
-                                    </p:set>
-                                  </p:childTnLst>
-                                </p:cTn>
-                              </p:par>
-                              <p:par>
-                                <p:cTn id="33" presetID="1" presetClass="entr" presetSubtype="0" fill="hold" nodeType="withEffect">
-                                  <p:stCondLst>
-                                    <p:cond delay="0"/>
-                                  </p:stCondLst>
-                                  <p:childTnLst>
-                                    <p:set>
-                                      <p:cBhvr>
-                                        <p:cTn id="34" dur="1" fill="hold">
-                                          <p:stCondLst>
-                                            <p:cond delay="0"/>
-                                          </p:stCondLst>
-                                        </p:cTn>
-                                        <p:tgtEl>
-                                          <p:spTgt spid="54276">
-                                            <p:txEl>
-                                              <p:pRg st="10" end="10"/>
                                             </p:txEl>
                                           </p:spTgt>
                                         </p:tgtEl>
@@ -16438,7 +16452,7 @@
 </p:sld>
 </file>
 
-<file path=ppt/slides/slide17.xml><?xml version="1.0" encoding="utf-8"?>
+<file path=ppt/slides/slide19.xml><?xml version="1.0" encoding="utf-8"?>
 <p:sld xmlns:a="http://schemas.openxmlformats.org/drawingml/2006/main" xmlns:r="http://schemas.openxmlformats.org/officeDocument/2006/relationships" xmlns:p="http://schemas.openxmlformats.org/presentationml/2006/main">
   <p:cSld>
     <p:spTree>
@@ -16565,7 +16579,104 @@
 </p:sld>
 </file>
 
-<file path=ppt/slides/slide18.xml><?xml version="1.0" encoding="utf-8"?>
+<file path=ppt/slides/slide2.xml><?xml version="1.0" encoding="utf-8"?>
+<p:sld xmlns:a="http://schemas.openxmlformats.org/drawingml/2006/main" xmlns:r="http://schemas.openxmlformats.org/officeDocument/2006/relationships" xmlns:p="http://schemas.openxmlformats.org/presentationml/2006/main">
+  <p:cSld>
+    <p:spTree>
+      <p:nvGrpSpPr>
+        <p:cNvPr id="1" name=""/>
+        <p:cNvGrpSpPr/>
+        <p:nvPr/>
+      </p:nvGrpSpPr>
+      <p:grpSpPr>
+        <a:xfrm>
+          <a:off x="0" y="0"/>
+          <a:ext cx="0" cy="0"/>
+          <a:chOff x="0" y="0"/>
+          <a:chExt cx="0" cy="0"/>
+        </a:xfrm>
+      </p:grpSpPr>
+      <p:sp>
+        <p:nvSpPr>
+          <p:cNvPr id="22530" name="Rectangle 2"/>
+          <p:cNvSpPr>
+            <a:spLocks noGrp="1" noChangeArrowheads="1"/>
+          </p:cNvSpPr>
+          <p:nvPr>
+            <p:ph type="title"/>
+          </p:nvPr>
+        </p:nvSpPr>
+        <p:spPr/>
+        <p:txBody>
+          <a:bodyPr/>
+          <a:lstStyle/>
+          <a:p>
+            <a:r>
+              <a:rPr lang="en-US" dirty="0"/>
+              <a:t>Is this spam?</a:t>
+            </a:r>
+            <a:endParaRPr lang="en-US" dirty="0"/>
+          </a:p>
+        </p:txBody>
+      </p:sp>
+      <p:sp>
+        <p:nvSpPr>
+          <p:cNvPr id="3" name="Content Placeholder 2"/>
+          <p:cNvSpPr>
+            <a:spLocks noGrp="1"/>
+          </p:cNvSpPr>
+          <p:nvPr>
+            <p:ph idx="1"/>
+          </p:nvPr>
+        </p:nvSpPr>
+        <p:spPr/>
+        <p:txBody>
+          <a:bodyPr/>
+          <a:lstStyle/>
+          <a:p>
+            <a:endParaRPr lang="en-US"/>
+          </a:p>
+        </p:txBody>
+      </p:sp>
+      <p:pic>
+        <p:nvPicPr>
+          <p:cNvPr id="5" name="Content Placeholder 5"/>
+          <p:cNvPicPr>
+            <a:picLocks noChangeAspect="1"/>
+          </p:cNvPicPr>
+          <p:nvPr/>
+        </p:nvPicPr>
+        <p:blipFill>
+          <a:blip r:embed="rId1"/>
+          <a:srcRect/>
+          <a:stretch>
+            <a:fillRect/>
+          </a:stretch>
+        </p:blipFill>
+        <p:spPr bwMode="auto">
+          <a:xfrm>
+            <a:off x="609600" y="666456"/>
+            <a:ext cx="8335986" cy="4155734"/>
+          </a:xfrm>
+          <a:prstGeom prst="rect">
+            <a:avLst/>
+          </a:prstGeom>
+          <a:noFill/>
+          <a:ln>
+            <a:noFill/>
+          </a:ln>
+        </p:spPr>
+      </p:pic>
+    </p:spTree>
+  </p:cSld>
+  <p:clrMapOvr>
+    <a:masterClrMapping/>
+  </p:clrMapOvr>
+  <p:transition/>
+</p:sld>
+</file>
+
+<file path=ppt/slides/slide20.xml><?xml version="1.0" encoding="utf-8"?>
 <p:sld xmlns:a="http://schemas.openxmlformats.org/drawingml/2006/main" xmlns:r="http://schemas.openxmlformats.org/officeDocument/2006/relationships" xmlns:p="http://schemas.openxmlformats.org/presentationml/2006/main">
   <p:cSld>
     <p:spTree>
@@ -16656,7 +16767,7 @@
 </p:sld>
 </file>
 
-<file path=ppt/slides/slide19.xml><?xml version="1.0" encoding="utf-8"?>
+<file path=ppt/slides/slide21.xml><?xml version="1.0" encoding="utf-8"?>
 <p:sld xmlns:a="http://schemas.openxmlformats.org/drawingml/2006/main" xmlns:r="http://schemas.openxmlformats.org/officeDocument/2006/relationships" xmlns:p="http://schemas.openxmlformats.org/presentationml/2006/main">
   <p:cSld>
     <p:spTree>
@@ -18817,7 +18928,7 @@
 </p:sld>
 </file>
 
-<file path=ppt/slides/slide2.xml><?xml version="1.0" encoding="utf-8"?>
+<file path=ppt/slides/slide22.xml><?xml version="1.0" encoding="utf-8"?>
 <p:sld xmlns:a="http://schemas.openxmlformats.org/drawingml/2006/main" xmlns:r="http://schemas.openxmlformats.org/officeDocument/2006/relationships" xmlns:p="http://schemas.openxmlformats.org/presentationml/2006/main">
   <p:cSld>
     <p:spTree>
@@ -18836,7 +18947,7 @@
       </p:grpSpPr>
       <p:sp>
         <p:nvSpPr>
-          <p:cNvPr id="22530" name="Rectangle 2"/>
+          <p:cNvPr id="16386" name="Rectangle 5"/>
           <p:cNvSpPr>
             <a:spLocks noGrp="1" noChangeArrowheads="1"/>
           </p:cNvSpPr>
@@ -18846,65 +18957,95 @@
         </p:nvSpPr>
         <p:spPr/>
         <p:txBody>
-          <a:bodyPr/>
+          <a:bodyPr>
+            <a:noAutofit/>
+          </a:bodyPr>
           <a:lstStyle/>
           <a:p>
             <a:r>
-              <a:rPr lang="en-US" dirty="0"/>
-              <a:t>Is this spam?</a:t>
-            </a:r>
-            <a:endParaRPr lang="en-US" dirty="0"/>
-          </a:p>
-        </p:txBody>
-      </p:sp>
-      <p:sp>
-        <p:nvSpPr>
-          <p:cNvPr id="3" name="Content Placeholder 2"/>
-          <p:cNvSpPr>
-            <a:spLocks noGrp="1"/>
+              <a:rPr lang="en-US" sz="3400">
+                <a:latin typeface="Calibri (Headings)"/>
+                <a:cs typeface="Calibri (Headings)"/>
+              </a:rPr>
+              <a:t>Text Classification and Na</a:t>
+            </a:r>
+            <a:r>
+              <a:rPr lang="fr-FR" sz="3400">
+                <a:latin typeface="Calibri (Headings)"/>
+                <a:cs typeface="Calibri (Headings)"/>
+              </a:rPr>
+              <a:t>i</a:t>
+            </a:r>
+            <a:r>
+              <a:rPr lang="en-US" sz="3400" err="1">
+                <a:latin typeface="Calibri (Headings)"/>
+                <a:cs typeface="Calibri (Headings)"/>
+              </a:rPr>
+              <a:t>ve</a:t>
+            </a:r>
+            <a:r>
+              <a:rPr lang="en-US" sz="3400">
+                <a:latin typeface="Calibri (Headings)"/>
+                <a:cs typeface="Calibri (Headings)"/>
+              </a:rPr>
+              <a:t> Bayes</a:t>
+            </a:r>
+            <a:endParaRPr lang="en-US" sz="3400">
+              <a:latin typeface="Calibri (Headings)"/>
+              <a:ea typeface="MS PGothic" panose="020B0600070205080204" charset="-128"/>
+              <a:cs typeface="Calibri (Headings)"/>
+            </a:endParaRPr>
+          </a:p>
+        </p:txBody>
+      </p:sp>
+      <p:sp>
+        <p:nvSpPr>
+          <p:cNvPr id="16387" name="Rectangle 6"/>
+          <p:cNvSpPr>
+            <a:spLocks noGrp="1" noChangeArrowheads="1"/>
           </p:cNvSpPr>
           <p:nvPr>
             <p:ph idx="1"/>
           </p:nvPr>
         </p:nvSpPr>
-        <p:spPr/>
-        <p:txBody>
-          <a:bodyPr/>
+        <p:spPr>
+          <a:xfrm>
+            <a:off x="3505200" y="188594"/>
+            <a:ext cx="5009393" cy="3943350"/>
+          </a:xfrm>
+        </p:spPr>
+        <p:txBody>
+          <a:bodyPr>
+            <a:normAutofit/>
+          </a:bodyPr>
           <a:lstStyle/>
           <a:p>
-            <a:endParaRPr lang="en-US"/>
-          </a:p>
-        </p:txBody>
-      </p:sp>
-      <p:pic>
-        <p:nvPicPr>
-          <p:cNvPr id="5" name="Content Placeholder 5"/>
-          <p:cNvPicPr>
-            <a:picLocks noChangeAspect="1"/>
-          </p:cNvPicPr>
-          <p:nvPr/>
-        </p:nvPicPr>
-        <p:blipFill>
-          <a:blip r:embed="rId1"/>
-          <a:srcRect/>
-          <a:stretch>
-            <a:fillRect/>
-          </a:stretch>
-        </p:blipFill>
-        <p:spPr bwMode="auto">
-          <a:xfrm>
-            <a:off x="609600" y="666456"/>
-            <a:ext cx="8335986" cy="4155734"/>
-          </a:xfrm>
-          <a:prstGeom prst="rect">
-            <a:avLst/>
-          </a:prstGeom>
-          <a:noFill/>
-          <a:ln>
-            <a:noFill/>
-          </a:ln>
-        </p:spPr>
-      </p:pic>
+            <a:pPr eaLnBrk="1" hangingPunct="1">
+              <a:buFont typeface="Times" charset="0"/>
+              <a:buNone/>
+            </a:pPr>
+            <a:r>
+              <a:rPr lang="en-US" sz="3600" dirty="0">
+                <a:solidFill>
+                  <a:srgbClr val="A4001D"/>
+                </a:solidFill>
+                <a:latin typeface="Calibri" panose="020F0502020204030204"/>
+                <a:ea typeface="MS PGothic" panose="020B0600070205080204" charset="-128"/>
+                <a:cs typeface="Calibri" panose="020F0502020204030204"/>
+              </a:rPr>
+              <a:t>Precision, Recall, and F1</a:t>
+            </a:r>
+            <a:endParaRPr lang="en-US" sz="3600" dirty="0">
+              <a:solidFill>
+                <a:srgbClr val="A4001D"/>
+              </a:solidFill>
+              <a:latin typeface="Calibri" panose="020F0502020204030204"/>
+              <a:ea typeface="MS PGothic" panose="020B0600070205080204" charset="-128"/>
+              <a:cs typeface="Calibri" panose="020F0502020204030204"/>
+            </a:endParaRPr>
+          </a:p>
+        </p:txBody>
+      </p:sp>
     </p:spTree>
   </p:cSld>
   <p:clrMapOvr>
@@ -18914,134 +19055,7 @@
 </p:sld>
 </file>
 
-<file path=ppt/slides/slide20.xml><?xml version="1.0" encoding="utf-8"?>
-<p:sld xmlns:a="http://schemas.openxmlformats.org/drawingml/2006/main" xmlns:r="http://schemas.openxmlformats.org/officeDocument/2006/relationships" xmlns:p="http://schemas.openxmlformats.org/presentationml/2006/main">
-  <p:cSld>
-    <p:spTree>
-      <p:nvGrpSpPr>
-        <p:cNvPr id="1" name=""/>
-        <p:cNvGrpSpPr/>
-        <p:nvPr/>
-      </p:nvGrpSpPr>
-      <p:grpSpPr>
-        <a:xfrm>
-          <a:off x="0" y="0"/>
-          <a:ext cx="0" cy="0"/>
-          <a:chOff x="0" y="0"/>
-          <a:chExt cx="0" cy="0"/>
-        </a:xfrm>
-      </p:grpSpPr>
-      <p:sp>
-        <p:nvSpPr>
-          <p:cNvPr id="16386" name="Rectangle 5"/>
-          <p:cNvSpPr>
-            <a:spLocks noGrp="1" noChangeArrowheads="1"/>
-          </p:cNvSpPr>
-          <p:nvPr>
-            <p:ph type="title"/>
-          </p:nvPr>
-        </p:nvSpPr>
-        <p:spPr/>
-        <p:txBody>
-          <a:bodyPr>
-            <a:noAutofit/>
-          </a:bodyPr>
-          <a:lstStyle/>
-          <a:p>
-            <a:r>
-              <a:rPr lang="en-US" sz="3400">
-                <a:latin typeface="Calibri (Headings)"/>
-                <a:cs typeface="Calibri (Headings)"/>
-              </a:rPr>
-              <a:t>Text Classification and Na</a:t>
-            </a:r>
-            <a:r>
-              <a:rPr lang="fr-FR" sz="3400">
-                <a:latin typeface="Calibri (Headings)"/>
-                <a:cs typeface="Calibri (Headings)"/>
-              </a:rPr>
-              <a:t>i</a:t>
-            </a:r>
-            <a:r>
-              <a:rPr lang="en-US" sz="3400" err="1">
-                <a:latin typeface="Calibri (Headings)"/>
-                <a:cs typeface="Calibri (Headings)"/>
-              </a:rPr>
-              <a:t>ve</a:t>
-            </a:r>
-            <a:r>
-              <a:rPr lang="en-US" sz="3400">
-                <a:latin typeface="Calibri (Headings)"/>
-                <a:cs typeface="Calibri (Headings)"/>
-              </a:rPr>
-              <a:t> Bayes</a:t>
-            </a:r>
-            <a:endParaRPr lang="en-US" sz="3400">
-              <a:latin typeface="Calibri (Headings)"/>
-              <a:ea typeface="MS PGothic" panose="020B0600070205080204" charset="-128"/>
-              <a:cs typeface="Calibri (Headings)"/>
-            </a:endParaRPr>
-          </a:p>
-        </p:txBody>
-      </p:sp>
-      <p:sp>
-        <p:nvSpPr>
-          <p:cNvPr id="16387" name="Rectangle 6"/>
-          <p:cNvSpPr>
-            <a:spLocks noGrp="1" noChangeArrowheads="1"/>
-          </p:cNvSpPr>
-          <p:nvPr>
-            <p:ph idx="1"/>
-          </p:nvPr>
-        </p:nvSpPr>
-        <p:spPr>
-          <a:xfrm>
-            <a:off x="3505200" y="188594"/>
-            <a:ext cx="5009393" cy="3943350"/>
-          </a:xfrm>
-        </p:spPr>
-        <p:txBody>
-          <a:bodyPr>
-            <a:normAutofit/>
-          </a:bodyPr>
-          <a:lstStyle/>
-          <a:p>
-            <a:pPr eaLnBrk="1" hangingPunct="1">
-              <a:buFont typeface="Times" charset="0"/>
-              <a:buNone/>
-            </a:pPr>
-            <a:r>
-              <a:rPr lang="en-US" sz="3600" dirty="0">
-                <a:solidFill>
-                  <a:srgbClr val="A4001D"/>
-                </a:solidFill>
-                <a:latin typeface="Calibri" panose="020F0502020204030204"/>
-                <a:ea typeface="MS PGothic" panose="020B0600070205080204" charset="-128"/>
-                <a:cs typeface="Calibri" panose="020F0502020204030204"/>
-              </a:rPr>
-              <a:t>Precision, Recall, and F1</a:t>
-            </a:r>
-            <a:endParaRPr lang="en-US" sz="3600" dirty="0">
-              <a:solidFill>
-                <a:srgbClr val="A4001D"/>
-              </a:solidFill>
-              <a:latin typeface="Calibri" panose="020F0502020204030204"/>
-              <a:ea typeface="MS PGothic" panose="020B0600070205080204" charset="-128"/>
-              <a:cs typeface="Calibri" panose="020F0502020204030204"/>
-            </a:endParaRPr>
-          </a:p>
-        </p:txBody>
-      </p:sp>
-    </p:spTree>
-  </p:cSld>
-  <p:clrMapOvr>
-    <a:masterClrMapping/>
-  </p:clrMapOvr>
-  <p:transition/>
-</p:sld>
-</file>
-
-<file path=ppt/slides/slide21.xml><?xml version="1.0" encoding="utf-8"?>
+<file path=ppt/slides/slide23.xml><?xml version="1.0" encoding="utf-8"?>
 <p:sld xmlns:a="http://schemas.openxmlformats.org/drawingml/2006/main" xmlns:r="http://schemas.openxmlformats.org/officeDocument/2006/relationships" xmlns:p="http://schemas.openxmlformats.org/presentationml/2006/main">
   <p:cSld>
     <p:spTree>
@@ -19242,7 +19256,7 @@
 </p:sld>
 </file>
 
-<file path=ppt/slides/slide22.xml><?xml version="1.0" encoding="utf-8"?>
+<file path=ppt/slides/slide24.xml><?xml version="1.0" encoding="utf-8"?>
 <p:sld xmlns:a="http://schemas.openxmlformats.org/drawingml/2006/main" xmlns:r="http://schemas.openxmlformats.org/officeDocument/2006/relationships" xmlns:p="http://schemas.openxmlformats.org/presentationml/2006/main">
   <p:cSld>
     <p:spTree>
@@ -19443,7 +19457,7 @@
 </p:sld>
 </file>
 
-<file path=ppt/slides/slide23.xml><?xml version="1.0" encoding="utf-8"?>
+<file path=ppt/slides/slide25.xml><?xml version="1.0" encoding="utf-8"?>
 <p:sld xmlns:a="http://schemas.openxmlformats.org/drawingml/2006/main" xmlns:r="http://schemas.openxmlformats.org/officeDocument/2006/relationships" xmlns:p="http://schemas.openxmlformats.org/presentationml/2006/main">
   <p:cSld>
     <p:spTree>
@@ -19636,7 +19650,7 @@
 </p:sld>
 </file>
 
-<file path=ppt/slides/slide24.xml><?xml version="1.0" encoding="utf-8"?>
+<file path=ppt/slides/slide26.xml><?xml version="1.0" encoding="utf-8"?>
 <p:sld xmlns:a="http://schemas.openxmlformats.org/drawingml/2006/main" xmlns:r="http://schemas.openxmlformats.org/officeDocument/2006/relationships" xmlns:p="http://schemas.openxmlformats.org/presentationml/2006/main">
   <p:cSld>
     <p:spTree>
@@ -19788,7 +19802,7 @@
 </p:sld>
 </file>
 
-<file path=ppt/slides/slide25.xml><?xml version="1.0" encoding="utf-8"?>
+<file path=ppt/slides/slide27.xml><?xml version="1.0" encoding="utf-8"?>
 <p:sld xmlns:a="http://schemas.openxmlformats.org/drawingml/2006/main" xmlns:r="http://schemas.openxmlformats.org/officeDocument/2006/relationships" xmlns:p="http://schemas.openxmlformats.org/presentationml/2006/main">
   <p:cSld>
     <p:spTree>
@@ -19894,7 +19908,7 @@
 </p:sld>
 </file>
 
-<file path=ppt/slides/slide26.xml><?xml version="1.0" encoding="utf-8"?>
+<file path=ppt/slides/slide28.xml><?xml version="1.0" encoding="utf-8"?>
 <p:sld xmlns:a="http://schemas.openxmlformats.org/drawingml/2006/main" xmlns:r="http://schemas.openxmlformats.org/officeDocument/2006/relationships" xmlns:p="http://schemas.openxmlformats.org/presentationml/2006/main">
   <p:cSld>
     <p:spTree>
@@ -20038,7 +20052,7 @@
 </p:sld>
 </file>
 
-<file path=ppt/slides/slide27.xml><?xml version="1.0" encoding="utf-8"?>
+<file path=ppt/slides/slide29.xml><?xml version="1.0" encoding="utf-8"?>
 <p:sld xmlns:a="http://schemas.openxmlformats.org/drawingml/2006/main" xmlns:r="http://schemas.openxmlformats.org/officeDocument/2006/relationships" xmlns:p="http://schemas.openxmlformats.org/presentationml/2006/main">
   <p:cSld>
     <p:spTree>
@@ -20128,133 +20142,6 @@
   <p:clrMapOvr>
     <a:masterClrMapping/>
   </p:clrMapOvr>
-</p:sld>
-</file>
-
-<file path=ppt/slides/slide28.xml><?xml version="1.0" encoding="utf-8"?>
-<p:sld xmlns:a="http://schemas.openxmlformats.org/drawingml/2006/main" xmlns:r="http://schemas.openxmlformats.org/officeDocument/2006/relationships" xmlns:p="http://schemas.openxmlformats.org/presentationml/2006/main">
-  <p:cSld>
-    <p:spTree>
-      <p:nvGrpSpPr>
-        <p:cNvPr id="1" name=""/>
-        <p:cNvGrpSpPr/>
-        <p:nvPr/>
-      </p:nvGrpSpPr>
-      <p:grpSpPr>
-        <a:xfrm>
-          <a:off x="0" y="0"/>
-          <a:ext cx="0" cy="0"/>
-          <a:chOff x="0" y="0"/>
-          <a:chExt cx="0" cy="0"/>
-        </a:xfrm>
-      </p:grpSpPr>
-      <p:sp>
-        <p:nvSpPr>
-          <p:cNvPr id="16386" name="Rectangle 5"/>
-          <p:cNvSpPr>
-            <a:spLocks noGrp="1" noChangeArrowheads="1"/>
-          </p:cNvSpPr>
-          <p:nvPr>
-            <p:ph type="title"/>
-          </p:nvPr>
-        </p:nvSpPr>
-        <p:spPr/>
-        <p:txBody>
-          <a:bodyPr>
-            <a:noAutofit/>
-          </a:bodyPr>
-          <a:lstStyle/>
-          <a:p>
-            <a:r>
-              <a:rPr lang="en-US" sz="3400">
-                <a:latin typeface="Calibri (Headings)"/>
-                <a:cs typeface="Calibri (Headings)"/>
-              </a:rPr>
-              <a:t>Text Classification and Na</a:t>
-            </a:r>
-            <a:r>
-              <a:rPr lang="fr-FR" sz="3400">
-                <a:latin typeface="Calibri (Headings)"/>
-                <a:cs typeface="Calibri (Headings)"/>
-              </a:rPr>
-              <a:t>i</a:t>
-            </a:r>
-            <a:r>
-              <a:rPr lang="en-US" sz="3400" err="1">
-                <a:latin typeface="Calibri (Headings)"/>
-                <a:cs typeface="Calibri (Headings)"/>
-              </a:rPr>
-              <a:t>ve</a:t>
-            </a:r>
-            <a:r>
-              <a:rPr lang="en-US" sz="3400">
-                <a:latin typeface="Calibri (Headings)"/>
-                <a:cs typeface="Calibri (Headings)"/>
-              </a:rPr>
-              <a:t> Bayes</a:t>
-            </a:r>
-            <a:endParaRPr lang="en-US" sz="3400">
-              <a:latin typeface="Calibri (Headings)"/>
-              <a:ea typeface="MS PGothic" panose="020B0600070205080204" charset="-128"/>
-              <a:cs typeface="Calibri (Headings)"/>
-            </a:endParaRPr>
-          </a:p>
-        </p:txBody>
-      </p:sp>
-      <p:sp>
-        <p:nvSpPr>
-          <p:cNvPr id="16387" name="Rectangle 6"/>
-          <p:cNvSpPr>
-            <a:spLocks noGrp="1" noChangeArrowheads="1"/>
-          </p:cNvSpPr>
-          <p:nvPr>
-            <p:ph idx="1"/>
-          </p:nvPr>
-        </p:nvSpPr>
-        <p:spPr>
-          <a:xfrm>
-            <a:off x="3505200" y="188594"/>
-            <a:ext cx="5009393" cy="3943350"/>
-          </a:xfrm>
-        </p:spPr>
-        <p:txBody>
-          <a:bodyPr>
-            <a:normAutofit/>
-          </a:bodyPr>
-          <a:lstStyle/>
-          <a:p>
-            <a:pPr eaLnBrk="1" hangingPunct="1">
-              <a:buFont typeface="Times" charset="0"/>
-              <a:buNone/>
-            </a:pPr>
-            <a:r>
-              <a:rPr lang="en-US" sz="3600" dirty="0">
-                <a:solidFill>
-                  <a:srgbClr val="A4001D"/>
-                </a:solidFill>
-                <a:latin typeface="Calibri" panose="020F0502020204030204"/>
-                <a:ea typeface="MS PGothic" panose="020B0600070205080204" charset="-128"/>
-                <a:cs typeface="Calibri" panose="020F0502020204030204"/>
-              </a:rPr>
-              <a:t>Precision, Recall, and F1</a:t>
-            </a:r>
-            <a:endParaRPr lang="en-US" sz="3600" dirty="0">
-              <a:solidFill>
-                <a:srgbClr val="A4001D"/>
-              </a:solidFill>
-              <a:latin typeface="Calibri" panose="020F0502020204030204"/>
-              <a:ea typeface="MS PGothic" panose="020B0600070205080204" charset="-128"/>
-              <a:cs typeface="Calibri" panose="020F0502020204030204"/>
-            </a:endParaRPr>
-          </a:p>
-        </p:txBody>
-      </p:sp>
-    </p:spTree>
-  </p:cSld>
-  <p:clrMapOvr>
-    <a:masterClrMapping/>
-  </p:clrMapOvr>
-  <p:transition/>
 </p:sld>
 </file>
 
@@ -20741,6 +20628,201 @@
 </p:sld>
 </file>
 
+<file path=ppt/slides/slide30.xml><?xml version="1.0" encoding="utf-8"?>
+<p:sld xmlns:a="http://schemas.openxmlformats.org/drawingml/2006/main" xmlns:r="http://schemas.openxmlformats.org/officeDocument/2006/relationships" xmlns:p="http://schemas.openxmlformats.org/presentationml/2006/main">
+  <p:cSld>
+    <p:spTree>
+      <p:nvGrpSpPr>
+        <p:cNvPr id="581" name="Shape 581"/>
+        <p:cNvGrpSpPr/>
+        <p:nvPr/>
+      </p:nvGrpSpPr>
+      <p:grpSpPr>
+        <a:xfrm>
+          <a:off x="0" y="0"/>
+          <a:ext cx="0" cy="0"/>
+          <a:chOff x="0" y="0"/>
+          <a:chExt cx="0" cy="0"/>
+        </a:xfrm>
+      </p:grpSpPr>
+      <p:sp>
+        <p:nvSpPr>
+          <p:cNvPr id="582" name="Google Shape;582;p79"/>
+          <p:cNvSpPr txBox="1"/>
+          <p:nvPr>
+            <p:ph type="title"/>
+          </p:nvPr>
+        </p:nvSpPr>
+        <p:spPr>
+          <a:xfrm>
+            <a:off x="471505" y="205375"/>
+            <a:ext cx="8277900" cy="745800"/>
+          </a:xfrm>
+          <a:prstGeom prst="rect">
+            <a:avLst/>
+          </a:prstGeom>
+          <a:noFill/>
+          <a:ln>
+            <a:noFill/>
+          </a:ln>
+        </p:spPr>
+        <p:txBody>
+          <a:bodyPr spcFirstLastPara="1" wrap="square" lIns="68575" tIns="34275" rIns="68575" bIns="34275" anchor="ctr" anchorCtr="0">
+            <a:normAutofit/>
+          </a:bodyPr>
+          <a:lstStyle/>
+          <a:p>
+            <a:pPr marL="0" lvl="0" indent="0" algn="ctr" rtl="0">
+              <a:lnSpc>
+                <a:spcPct val="90000"/>
+              </a:lnSpc>
+              <a:spcBef>
+                <a:spcPts val="0"/>
+              </a:spcBef>
+              <a:spcAft>
+                <a:spcPts val="0"/>
+              </a:spcAft>
+              <a:buClr>
+                <a:schemeClr val="dk1"/>
+              </a:buClr>
+              <a:buSzPts val="3300"/>
+              <a:buFont typeface="Calibri" panose="020F0502020204030204"/>
+              <a:buNone/>
+            </a:pPr>
+            <a:r>
+              <a:rPr lang="en-GB" sz="3000"/>
+              <a:t>Questions </a:t>
+            </a:r>
+            <a:r>
+              <a:rPr lang="en-GB" sz="4000"/>
+              <a:t>☺</a:t>
+            </a:r>
+            <a:endParaRPr sz="4000"/>
+          </a:p>
+        </p:txBody>
+      </p:sp>
+      <p:pic>
+        <p:nvPicPr>
+          <p:cNvPr id="583" name="Google Shape;583;p79" descr="شخص لديه فكرة خطوط عريضة"/>
+          <p:cNvPicPr preferRelativeResize="0"/>
+          <p:nvPr>
+            <p:ph type="body" idx="1"/>
+          </p:nvPr>
+        </p:nvPicPr>
+        <p:blipFill rotWithShape="1">
+          <a:blip r:embed="rId1"/>
+          <a:srcRect/>
+          <a:stretch>
+            <a:fillRect/>
+          </a:stretch>
+        </p:blipFill>
+        <p:spPr>
+          <a:xfrm>
+            <a:off x="1698701" y="2533650"/>
+            <a:ext cx="2476500" cy="2476500"/>
+          </a:xfrm>
+          <a:prstGeom prst="rect">
+            <a:avLst/>
+          </a:prstGeom>
+          <a:noFill/>
+          <a:ln>
+            <a:noFill/>
+          </a:ln>
+        </p:spPr>
+      </p:pic>
+      <p:pic>
+        <p:nvPicPr>
+          <p:cNvPr id="584" name="Google Shape;584;p79" descr="روبوت خطوط عريضة"/>
+          <p:cNvPicPr preferRelativeResize="0"/>
+          <p:nvPr/>
+        </p:nvPicPr>
+        <p:blipFill rotWithShape="1">
+          <a:blip r:embed="rId2"/>
+          <a:srcRect/>
+          <a:stretch>
+            <a:fillRect/>
+          </a:stretch>
+        </p:blipFill>
+        <p:spPr>
+          <a:xfrm>
+            <a:off x="5136842" y="2400300"/>
+            <a:ext cx="2743200" cy="2743200"/>
+          </a:xfrm>
+          <a:prstGeom prst="rect">
+            <a:avLst/>
+          </a:prstGeom>
+          <a:noFill/>
+          <a:ln>
+            <a:noFill/>
+          </a:ln>
+        </p:spPr>
+      </p:pic>
+      <p:sp>
+        <p:nvSpPr>
+          <p:cNvPr id="585" name="Google Shape;585;p79"/>
+          <p:cNvSpPr txBox="1"/>
+          <p:nvPr/>
+        </p:nvSpPr>
+        <p:spPr>
+          <a:xfrm>
+            <a:off x="3629" y="1104447"/>
+            <a:ext cx="9144000" cy="857400"/>
+          </a:xfrm>
+          <a:prstGeom prst="rect">
+            <a:avLst/>
+          </a:prstGeom>
+          <a:noFill/>
+          <a:ln>
+            <a:noFill/>
+          </a:ln>
+        </p:spPr>
+        <p:txBody>
+          <a:bodyPr spcFirstLastPara="1" wrap="square" lIns="68575" tIns="34275" rIns="68575" bIns="34275" anchor="ctr" anchorCtr="0">
+            <a:noAutofit/>
+          </a:bodyPr>
+          <a:lstStyle/>
+          <a:p>
+            <a:pPr marL="0" marR="0" lvl="0" indent="0" algn="ctr" rtl="0">
+              <a:spcBef>
+                <a:spcPts val="0"/>
+              </a:spcBef>
+              <a:spcAft>
+                <a:spcPts val="0"/>
+              </a:spcAft>
+              <a:buNone/>
+            </a:pPr>
+            <a:r>
+              <a:rPr lang="en-GB" sz="2600">
+                <a:solidFill>
+                  <a:schemeClr val="dk2"/>
+                </a:solidFill>
+                <a:latin typeface="Palatino"/>
+                <a:ea typeface="Palatino"/>
+                <a:cs typeface="Palatino"/>
+                <a:sym typeface="Palatino"/>
+              </a:rPr>
+              <a:t>Thanks … Grazie … شكرا … Gracias … Merci … 谢谢 (Xièxiè)</a:t>
+            </a:r>
+            <a:endParaRPr sz="2600">
+              <a:solidFill>
+                <a:schemeClr val="dk2"/>
+              </a:solidFill>
+              <a:latin typeface="Palatino"/>
+              <a:ea typeface="Palatino"/>
+              <a:cs typeface="Palatino"/>
+              <a:sym typeface="Palatino"/>
+            </a:endParaRPr>
+          </a:p>
+        </p:txBody>
+      </p:sp>
+    </p:spTree>
+  </p:cSld>
+  <p:clrMapOvr>
+    <a:masterClrMapping/>
+  </p:clrMapOvr>
+</p:sld>
+</file>
+
 <file path=ppt/slides/slide4.xml><?xml version="1.0" encoding="utf-8"?>
 <p:sld xmlns:a="http://schemas.openxmlformats.org/drawingml/2006/main" xmlns:r="http://schemas.openxmlformats.org/officeDocument/2006/relationships" xmlns:p="http://schemas.openxmlformats.org/presentationml/2006/main">
   <p:cSld>
@@ -20834,12 +20916,12 @@
         <p:spPr>
           <a:xfrm>
             <a:off x="4572000" y="1506855"/>
-            <a:ext cx="3977640" cy="3429000"/>
+            <a:ext cx="3977640" cy="3055620"/>
           </a:xfrm>
         </p:spPr>
         <p:txBody>
           <a:bodyPr>
-            <a:normAutofit lnSpcReduction="10000"/>
+            <a:normAutofit fontScale="90000" lnSpcReduction="20000"/>
           </a:bodyPr>
           <a:lstStyle/>
           <a:p>
@@ -21442,6 +21524,10 @@
             </a:endParaRPr>
           </a:p>
           <a:p>
+            <a:pPr marL="457200" indent="-457200">
+              <a:buFont typeface="Arial" panose="020B0604020202020204" pitchFamily="34" charset="0"/>
+              <a:buChar char="•"/>
+            </a:pPr>
             <a:r>
               <a:rPr lang="en-US" sz="2800" dirty="0">
                 <a:latin typeface="Calibri" panose="020F0502020204030204" pitchFamily="34" charset="0"/>
@@ -21453,6 +21539,10 @@
             </a:endParaRPr>
           </a:p>
           <a:p>
+            <a:pPr marL="457200" indent="-457200">
+              <a:buFont typeface="Arial" panose="020B0604020202020204" pitchFamily="34" charset="0"/>
+              <a:buChar char="•"/>
+            </a:pPr>
             <a:r>
               <a:rPr lang="en-US" sz="2800" dirty="0">
                 <a:latin typeface="Calibri" panose="020F0502020204030204" pitchFamily="34" charset="0"/>
@@ -21464,6 +21554,10 @@
             </a:endParaRPr>
           </a:p>
           <a:p>
+            <a:pPr marL="457200" indent="-457200">
+              <a:buFont typeface="Arial" panose="020B0604020202020204" pitchFamily="34" charset="0"/>
+              <a:buChar char="•"/>
+            </a:pPr>
             <a:r>
               <a:rPr lang="en-US" sz="2800" dirty="0">
                 <a:latin typeface="Calibri" panose="020F0502020204030204" pitchFamily="34" charset="0"/>
@@ -21475,6 +21569,10 @@
             </a:endParaRPr>
           </a:p>
           <a:p>
+            <a:pPr marL="457200" indent="-457200">
+              <a:buFont typeface="Arial" panose="020B0604020202020204" pitchFamily="34" charset="0"/>
+              <a:buChar char="•"/>
+            </a:pPr>
             <a:r>
               <a:rPr lang="en-US" sz="2800" dirty="0">
                 <a:latin typeface="Calibri" panose="020F0502020204030204" pitchFamily="34" charset="0"/>
@@ -21486,6 +21584,10 @@
             </a:endParaRPr>
           </a:p>
           <a:p>
+            <a:pPr marL="457200" indent="-457200">
+              <a:buFont typeface="Arial" panose="020B0604020202020204" pitchFamily="34" charset="0"/>
+              <a:buChar char="•"/>
+            </a:pPr>
             <a:r>
               <a:rPr lang="en-US" sz="2800" dirty="0">
                 <a:latin typeface="Calibri" panose="020F0502020204030204" pitchFamily="34" charset="0"/>
@@ -21851,14 +21953,7 @@
         <p:cNvGrpSpPr/>
         <p:nvPr/>
       </p:nvGrpSpPr>
-      <p:grpSpPr>
-        <a:xfrm>
-          <a:off x="0" y="0"/>
-          <a:ext cx="0" cy="0"/>
-          <a:chOff x="0" y="0"/>
-          <a:chExt cx="0" cy="0"/>
-        </a:xfrm>
-      </p:grpSpPr>
+      <p:grpSpPr/>
       <p:sp>
         <p:nvSpPr>
           <p:cNvPr id="2" name="Title 1"/>
@@ -21869,450 +21964,72 @@
             <p:ph type="title"/>
           </p:nvPr>
         </p:nvSpPr>
-        <p:spPr>
-          <a:xfrm>
-            <a:off x="685800" y="411908"/>
-            <a:ext cx="7543800" cy="680397"/>
-          </a:xfrm>
-        </p:spPr>
+        <p:spPr/>
+        <p:txBody>
+          <a:bodyPr/>
+          <a:p>
+            <a:r>
+              <a:rPr lang="en-US" altLang="en-GB"/>
+              <a:t>Supervised machine learning </a:t>
+            </a:r>
+            <a:endParaRPr lang="en-US" altLang="en-GB"/>
+          </a:p>
+        </p:txBody>
+      </p:sp>
+      <p:sp>
+        <p:nvSpPr>
+          <p:cNvPr id="3" name="Content Placeholder 2"/>
+          <p:cNvSpPr>
+            <a:spLocks noGrp="1"/>
+          </p:cNvSpPr>
+          <p:nvPr>
+            <p:ph idx="1"/>
+          </p:nvPr>
+        </p:nvSpPr>
+        <p:spPr/>
         <p:txBody>
           <a:bodyPr>
-            <a:normAutofit fontScale="90000"/>
+            <a:normAutofit fontScale="70000"/>
           </a:bodyPr>
-          <a:lstStyle/>
-          <a:p>
-            <a:r>
-              <a:rPr lang="en-US" sz="3600" dirty="0"/>
-              <a:t>Classification Method:</a:t>
-            </a:r>
-            <a:br>
-              <a:rPr lang="en-US" sz="3600" dirty="0"/>
-            </a:br>
-            <a:r>
-              <a:rPr lang="en-US" sz="3600" dirty="0"/>
-              <a:t>Supervised Machine Learning</a:t>
-            </a:r>
-            <a:endParaRPr lang="en-US" sz="3600" dirty="0"/>
-          </a:p>
-        </p:txBody>
-      </p:sp>
-      <p:sp>
-        <p:nvSpPr>
-          <p:cNvPr id="3" name="Content Placeholder 2"/>
-          <p:cNvSpPr>
-            <a:spLocks noGrp="1"/>
-          </p:cNvSpPr>
-          <p:nvPr>
-            <p:ph idx="1"/>
-          </p:nvPr>
-        </p:nvSpPr>
-        <p:spPr>
-          <a:xfrm>
-            <a:off x="822960" y="1200150"/>
-            <a:ext cx="8092440" cy="3429000"/>
-          </a:xfrm>
-        </p:spPr>
-        <p:txBody>
-          <a:bodyPr/>
-          <a:lstStyle/>
-          <a:p>
-            <a:r>
-              <a:rPr lang="en-US" sz="2800" i="1" dirty="0">
-                <a:latin typeface="Calibri" panose="020F0502020204030204" pitchFamily="34" charset="0"/>
-              </a:rPr>
-              <a:t>Input: </a:t>
-            </a:r>
-            <a:endParaRPr lang="en-US" sz="2800" i="1" dirty="0">
-              <a:latin typeface="Calibri" panose="020F0502020204030204" pitchFamily="34" charset="0"/>
-            </a:endParaRPr>
+          <a:p>
+            <a:r>
+              <a:rPr lang="en-US" altLang="en-GB"/>
+              <a:t>Machine Learning (ML) is a way of teaching computers to learn from examples instead of programming them with strict instructions.</a:t>
+            </a:r>
+            <a:endParaRPr lang="en-US" altLang="en-GB"/>
+          </a:p>
+          <a:p>
+            <a:r>
+              <a:rPr lang="en-US" altLang="en-GB"/>
+              <a:t> Imagine you’re teaching a child how to recognize fruits:</a:t>
+            </a:r>
+            <a:endParaRPr lang="en-US" altLang="en-GB"/>
           </a:p>
           <a:p>
             <a:pPr lvl="1"/>
             <a:r>
-              <a:rPr lang="en-US" sz="2400" dirty="0">
-                <a:latin typeface="Calibri" panose="020F0502020204030204" pitchFamily="34" charset="0"/>
-              </a:rPr>
-              <a:t>a document </a:t>
-            </a:r>
-            <a:r>
-              <a:rPr lang="en-US" sz="2400" i="1" dirty="0">
-                <a:solidFill>
-                  <a:srgbClr val="FF0000"/>
-                </a:solidFill>
-                <a:latin typeface="Calibri" panose="020F0502020204030204" pitchFamily="34" charset="0"/>
-              </a:rPr>
-              <a:t>d</a:t>
-            </a:r>
-            <a:endParaRPr lang="en-US" sz="2400" i="1" dirty="0">
-              <a:solidFill>
-                <a:srgbClr val="FF0000"/>
-              </a:solidFill>
-              <a:latin typeface="Calibri" panose="020F0502020204030204" pitchFamily="34" charset="0"/>
-            </a:endParaRPr>
+              <a:rPr lang="en-US" altLang="en-GB"/>
+              <a:t>If you show them many apples and bananas, they’ll eventually figure out that apples are usually round and red/green, while bananas are long and yellow.</a:t>
+            </a:r>
+            <a:endParaRPr lang="en-US" altLang="en-GB"/>
           </a:p>
           <a:p>
             <a:pPr lvl="1"/>
             <a:r>
-              <a:rPr lang="en-US" sz="2400" i="1" dirty="0">
-                <a:latin typeface="Calibri" panose="020F0502020204030204" pitchFamily="34" charset="0"/>
-              </a:rPr>
-              <a:t> </a:t>
-            </a:r>
-            <a:r>
-              <a:rPr lang="en-US" sz="2400" dirty="0">
-                <a:latin typeface="Calibri" panose="020F0502020204030204" pitchFamily="34" charset="0"/>
-                <a:ea typeface="MS PGothic" panose="020B0600070205080204" charset="-128"/>
-              </a:rPr>
-              <a:t>a fixed set of classes  </a:t>
-            </a:r>
-            <a:r>
-              <a:rPr lang="en-US" sz="2400" i="1" dirty="0">
-                <a:solidFill>
-                  <a:srgbClr val="FF0000"/>
-                </a:solidFill>
-                <a:latin typeface="Calibri" panose="020F0502020204030204" pitchFamily="34" charset="0"/>
-                <a:ea typeface="MS PGothic" panose="020B0600070205080204" charset="-128"/>
-              </a:rPr>
-              <a:t>C </a:t>
-            </a:r>
-            <a:r>
-              <a:rPr lang="en-US" sz="2400" dirty="0">
-                <a:solidFill>
-                  <a:srgbClr val="FF0000"/>
-                </a:solidFill>
-                <a:latin typeface="Calibri" panose="020F0502020204030204" pitchFamily="34" charset="0"/>
-                <a:ea typeface="MS PGothic" panose="020B0600070205080204" charset="-128"/>
-              </a:rPr>
-              <a:t>=</a:t>
-            </a:r>
-            <a:r>
-              <a:rPr lang="en-US" sz="2400" i="1" dirty="0">
-                <a:solidFill>
-                  <a:srgbClr val="FF0000"/>
-                </a:solidFill>
-                <a:latin typeface="Calibri" panose="020F0502020204030204" pitchFamily="34" charset="0"/>
-                <a:ea typeface="MS PGothic" panose="020B0600070205080204" charset="-128"/>
-              </a:rPr>
-              <a:t> </a:t>
-            </a:r>
-            <a:r>
-              <a:rPr lang="en-US" sz="2400" dirty="0">
-                <a:solidFill>
-                  <a:srgbClr val="FF0000"/>
-                </a:solidFill>
-                <a:latin typeface="Calibri" panose="020F0502020204030204" pitchFamily="34" charset="0"/>
-                <a:ea typeface="MS PGothic" panose="020B0600070205080204" charset="-128"/>
-                <a:sym typeface="Symbol" panose="05050102010706020507" charset="0"/>
-              </a:rPr>
-              <a:t>{</a:t>
-            </a:r>
-            <a:r>
-              <a:rPr lang="en-US" sz="2400" i="1" dirty="0">
-                <a:solidFill>
-                  <a:srgbClr val="FF0000"/>
-                </a:solidFill>
-                <a:latin typeface="Calibri" panose="020F0502020204030204" pitchFamily="34" charset="0"/>
-                <a:ea typeface="MS PGothic" panose="020B0600070205080204" charset="-128"/>
-                <a:sym typeface="Symbol" panose="05050102010706020507" charset="0"/>
-              </a:rPr>
-              <a:t>c</a:t>
-            </a:r>
-            <a:r>
-              <a:rPr lang="en-US" sz="2400" baseline="-25000" dirty="0">
-                <a:solidFill>
-                  <a:srgbClr val="FF0000"/>
-                </a:solidFill>
-                <a:latin typeface="Calibri" panose="020F0502020204030204" pitchFamily="34" charset="0"/>
-                <a:ea typeface="MS PGothic" panose="020B0600070205080204" charset="-128"/>
-                <a:sym typeface="Symbol" panose="05050102010706020507" charset="0"/>
-              </a:rPr>
-              <a:t>1</a:t>
-            </a:r>
-            <a:r>
-              <a:rPr lang="en-US" sz="2400" dirty="0">
-                <a:solidFill>
-                  <a:srgbClr val="FF0000"/>
-                </a:solidFill>
-                <a:latin typeface="Calibri" panose="020F0502020204030204" pitchFamily="34" charset="0"/>
-                <a:ea typeface="MS PGothic" panose="020B0600070205080204" charset="-128"/>
-                <a:sym typeface="Symbol" panose="05050102010706020507" charset="0"/>
-              </a:rPr>
-              <a:t>, </a:t>
-            </a:r>
-            <a:r>
-              <a:rPr lang="en-US" sz="2400" i="1" dirty="0">
-                <a:solidFill>
-                  <a:srgbClr val="FF0000"/>
-                </a:solidFill>
-                <a:latin typeface="Calibri" panose="020F0502020204030204" pitchFamily="34" charset="0"/>
-                <a:ea typeface="MS PGothic" panose="020B0600070205080204" charset="-128"/>
-                <a:sym typeface="Symbol" panose="05050102010706020507" charset="0"/>
-              </a:rPr>
-              <a:t>c</a:t>
-            </a:r>
-            <a:r>
-              <a:rPr lang="en-US" sz="2400" baseline="-25000" dirty="0">
-                <a:solidFill>
-                  <a:srgbClr val="FF0000"/>
-                </a:solidFill>
-                <a:latin typeface="Calibri" panose="020F0502020204030204" pitchFamily="34" charset="0"/>
-                <a:ea typeface="MS PGothic" panose="020B0600070205080204" charset="-128"/>
-                <a:sym typeface="Symbol" panose="05050102010706020507" charset="0"/>
-              </a:rPr>
-              <a:t>2</a:t>
-            </a:r>
-            <a:r>
-              <a:rPr lang="en-US" sz="2400" dirty="0">
-                <a:solidFill>
-                  <a:srgbClr val="FF0000"/>
-                </a:solidFill>
-                <a:latin typeface="Calibri" panose="020F0502020204030204" pitchFamily="34" charset="0"/>
-                <a:ea typeface="MS PGothic" panose="020B0600070205080204" charset="-128"/>
-                <a:sym typeface="Symbol" panose="05050102010706020507" charset="0"/>
-              </a:rPr>
-              <a:t>,…, </a:t>
-            </a:r>
-            <a:r>
-              <a:rPr lang="en-US" sz="2400" i="1" dirty="0" err="1">
-                <a:solidFill>
-                  <a:srgbClr val="FF0000"/>
-                </a:solidFill>
-                <a:latin typeface="Calibri" panose="020F0502020204030204" pitchFamily="34" charset="0"/>
-                <a:ea typeface="MS PGothic" panose="020B0600070205080204" charset="-128"/>
-                <a:sym typeface="Symbol" panose="05050102010706020507" charset="0"/>
-              </a:rPr>
-              <a:t>c</a:t>
-            </a:r>
-            <a:r>
-              <a:rPr lang="en-US" sz="2400" i="1" baseline="-25000" dirty="0" err="1">
-                <a:solidFill>
-                  <a:srgbClr val="FF0000"/>
-                </a:solidFill>
-                <a:latin typeface="Calibri" panose="020F0502020204030204" pitchFamily="34" charset="0"/>
-                <a:ea typeface="MS PGothic" panose="020B0600070205080204" charset="-128"/>
-                <a:sym typeface="Symbol" panose="05050102010706020507" charset="0"/>
-              </a:rPr>
-              <a:t>J</a:t>
-            </a:r>
-            <a:r>
-              <a:rPr lang="en-US" sz="2400" dirty="0">
-                <a:solidFill>
-                  <a:srgbClr val="FF0000"/>
-                </a:solidFill>
-                <a:latin typeface="Calibri" panose="020F0502020204030204" pitchFamily="34" charset="0"/>
-                <a:ea typeface="MS PGothic" panose="020B0600070205080204" charset="-128"/>
-                <a:sym typeface="Symbol" panose="05050102010706020507" charset="0"/>
-              </a:rPr>
-              <a:t>}</a:t>
-            </a:r>
-            <a:endParaRPr lang="en-US" sz="1800" i="1" dirty="0">
-              <a:solidFill>
-                <a:srgbClr val="FF0000"/>
-              </a:solidFill>
-              <a:latin typeface="Calibri" panose="020F0502020204030204" pitchFamily="34" charset="0"/>
-            </a:endParaRPr>
-          </a:p>
-          <a:p>
-            <a:pPr lvl="1"/>
-            <a:r>
-              <a:rPr lang="en-US" sz="2400" dirty="0">
-                <a:latin typeface="Calibri" panose="020F0502020204030204" pitchFamily="34" charset="0"/>
-              </a:rPr>
-              <a:t>A training set of </a:t>
-            </a:r>
-            <a:r>
-              <a:rPr lang="en-US" sz="2400" i="1" dirty="0">
-                <a:solidFill>
-                  <a:srgbClr val="FF0000"/>
-                </a:solidFill>
-                <a:latin typeface="Calibri" panose="020F0502020204030204" pitchFamily="34" charset="0"/>
-              </a:rPr>
-              <a:t>m</a:t>
-            </a:r>
-            <a:r>
-              <a:rPr lang="en-US" sz="2400" i="1" dirty="0">
-                <a:latin typeface="Calibri" panose="020F0502020204030204" pitchFamily="34" charset="0"/>
-              </a:rPr>
-              <a:t> </a:t>
-            </a:r>
-            <a:r>
-              <a:rPr lang="en-US" sz="2400" dirty="0">
-                <a:latin typeface="Calibri" panose="020F0502020204030204" pitchFamily="34" charset="0"/>
-              </a:rPr>
-              <a:t>hand-labeled documents </a:t>
-            </a:r>
-            <a:r>
-              <a:rPr lang="en-US" sz="2400" i="1" dirty="0">
-                <a:solidFill>
-                  <a:srgbClr val="FF0000"/>
-                </a:solidFill>
-                <a:latin typeface="Calibri" panose="020F0502020204030204" pitchFamily="34" charset="0"/>
-              </a:rPr>
-              <a:t>(d</a:t>
-            </a:r>
-            <a:r>
-              <a:rPr lang="en-US" sz="2400" i="1" baseline="-25000" dirty="0">
-                <a:solidFill>
-                  <a:srgbClr val="FF0000"/>
-                </a:solidFill>
-                <a:latin typeface="Calibri" panose="020F0502020204030204" pitchFamily="34" charset="0"/>
-              </a:rPr>
-              <a:t>1</a:t>
-            </a:r>
-            <a:r>
-              <a:rPr lang="en-US" sz="2400" i="1" dirty="0">
-                <a:solidFill>
-                  <a:srgbClr val="FF0000"/>
-                </a:solidFill>
-                <a:latin typeface="Calibri" panose="020F0502020204030204" pitchFamily="34" charset="0"/>
-              </a:rPr>
-              <a:t>,c</a:t>
-            </a:r>
-            <a:r>
-              <a:rPr lang="en-US" sz="2400" i="1" baseline="-25000" dirty="0">
-                <a:solidFill>
-                  <a:srgbClr val="FF0000"/>
-                </a:solidFill>
-                <a:latin typeface="Calibri" panose="020F0502020204030204" pitchFamily="34" charset="0"/>
-              </a:rPr>
-              <a:t>1</a:t>
-            </a:r>
-            <a:r>
-              <a:rPr lang="en-US" sz="2400" i="1" dirty="0">
-                <a:solidFill>
-                  <a:srgbClr val="FF0000"/>
-                </a:solidFill>
-                <a:latin typeface="Calibri" panose="020F0502020204030204" pitchFamily="34" charset="0"/>
-              </a:rPr>
-              <a:t>),....,(</a:t>
-            </a:r>
-            <a:r>
-              <a:rPr lang="en-US" sz="2400" i="1" dirty="0" err="1">
-                <a:solidFill>
-                  <a:srgbClr val="FF0000"/>
-                </a:solidFill>
-                <a:latin typeface="Calibri" panose="020F0502020204030204" pitchFamily="34" charset="0"/>
-              </a:rPr>
-              <a:t>d</a:t>
-            </a:r>
-            <a:r>
-              <a:rPr lang="en-US" sz="2400" i="1" baseline="-25000" dirty="0" err="1">
-                <a:solidFill>
-                  <a:srgbClr val="FF0000"/>
-                </a:solidFill>
-                <a:latin typeface="Calibri" panose="020F0502020204030204" pitchFamily="34" charset="0"/>
-              </a:rPr>
-              <a:t>m</a:t>
-            </a:r>
-            <a:r>
-              <a:rPr lang="en-US" sz="2400" i="1" dirty="0" err="1">
-                <a:solidFill>
-                  <a:srgbClr val="FF0000"/>
-                </a:solidFill>
-                <a:latin typeface="Calibri" panose="020F0502020204030204" pitchFamily="34" charset="0"/>
-              </a:rPr>
-              <a:t>,c</a:t>
-            </a:r>
-            <a:r>
-              <a:rPr lang="en-US" sz="2400" i="1" baseline="-25000" dirty="0" err="1">
-                <a:solidFill>
-                  <a:srgbClr val="FF0000"/>
-                </a:solidFill>
-                <a:latin typeface="Calibri" panose="020F0502020204030204" pitchFamily="34" charset="0"/>
-              </a:rPr>
-              <a:t>m</a:t>
-            </a:r>
-            <a:r>
-              <a:rPr lang="en-US" sz="2400" i="1" dirty="0">
-                <a:solidFill>
-                  <a:srgbClr val="FF0000"/>
-                </a:solidFill>
-                <a:latin typeface="Calibri" panose="020F0502020204030204" pitchFamily="34" charset="0"/>
-              </a:rPr>
-              <a:t>)</a:t>
-            </a:r>
-            <a:endParaRPr lang="en-US" sz="2400" i="1" dirty="0">
-              <a:solidFill>
-                <a:srgbClr val="FF0000"/>
-              </a:solidFill>
-              <a:latin typeface="Calibri" panose="020F0502020204030204" pitchFamily="34" charset="0"/>
-            </a:endParaRPr>
-          </a:p>
-          <a:p>
-            <a:r>
-              <a:rPr lang="en-US" sz="2800" i="1" dirty="0">
-                <a:latin typeface="Calibri" panose="020F0502020204030204" pitchFamily="34" charset="0"/>
-              </a:rPr>
-              <a:t>Output: </a:t>
-            </a:r>
-            <a:endParaRPr lang="en-US" sz="2800" i="1" dirty="0">
-              <a:latin typeface="Calibri" panose="020F0502020204030204" pitchFamily="34" charset="0"/>
-            </a:endParaRPr>
-          </a:p>
-          <a:p>
-            <a:pPr lvl="1"/>
-            <a:r>
-              <a:rPr lang="en-US" sz="2400" dirty="0">
-                <a:latin typeface="Calibri" panose="020F0502020204030204" pitchFamily="34" charset="0"/>
-              </a:rPr>
-              <a:t>a learned classifier </a:t>
-            </a:r>
-            <a:r>
-              <a:rPr lang="en-US" sz="2400" i="1" dirty="0" err="1">
-                <a:solidFill>
-                  <a:srgbClr val="FF0000"/>
-                </a:solidFill>
-                <a:latin typeface="Calibri" panose="020F0502020204030204" pitchFamily="34" charset="0"/>
-              </a:rPr>
-              <a:t>γ:d</a:t>
-            </a:r>
-            <a:r>
-              <a:rPr lang="en-US" sz="2400" i="1" dirty="0">
-                <a:solidFill>
-                  <a:srgbClr val="FF0000"/>
-                </a:solidFill>
-                <a:latin typeface="Calibri" panose="020F0502020204030204" pitchFamily="34" charset="0"/>
-              </a:rPr>
-              <a:t> </a:t>
-            </a:r>
-            <a:r>
-              <a:rPr lang="en-US" sz="2400" i="1" dirty="0">
-                <a:solidFill>
-                  <a:srgbClr val="FF0000"/>
-                </a:solidFill>
-                <a:latin typeface="Calibri" panose="020F0502020204030204" pitchFamily="34" charset="0"/>
-                <a:sym typeface="Wingdings" panose="05000000000000000000" pitchFamily="2" charset="2"/>
-              </a:rPr>
-              <a:t> c</a:t>
-            </a:r>
-            <a:endParaRPr lang="en-US" sz="2400" i="1" dirty="0">
-              <a:solidFill>
-                <a:srgbClr val="FF0000"/>
-              </a:solidFill>
-              <a:latin typeface="Calibri" panose="020F0502020204030204" pitchFamily="34" charset="0"/>
-            </a:endParaRPr>
-          </a:p>
-        </p:txBody>
-      </p:sp>
-      <p:sp>
-        <p:nvSpPr>
-          <p:cNvPr id="4" name="Slide Number Placeholder 3"/>
-          <p:cNvSpPr>
-            <a:spLocks noGrp="1"/>
-          </p:cNvSpPr>
-          <p:nvPr>
-            <p:ph type="sldNum" sz="quarter" idx="12"/>
-          </p:nvPr>
-        </p:nvSpPr>
-        <p:spPr/>
-        <p:txBody>
-          <a:bodyPr/>
-          <a:lstStyle/>
-          <a:p>
-            <a:fld id="{10F35DC5-7E65-8247-99AB-4E984F8A921E}" type="slidenum">
-              <a:rPr lang="en-US" smtClean="0"/>
-            </a:fld>
-            <a:endParaRPr lang="en-US"/>
+              <a:rPr lang="en-US" altLang="en-GB"/>
+              <a:t>Next time they see a new fruit, they can guess whether it’s an apple or banana based on what they’ve learned.</a:t>
+            </a:r>
+            <a:endParaRPr lang="en-US" altLang="en-GB"/>
+          </a:p>
+          <a:p>
+            <a:endParaRPr lang="en-US" altLang="en-GB"/>
+          </a:p>
+          <a:p>
+            <a:r>
+              <a:rPr lang="en-US" altLang="en-GB"/>
+              <a:t>That’s exactly what ML does, but with computers.</a:t>
+            </a:r>
+            <a:endParaRPr lang="en-US" altLang="en-GB"/>
           </a:p>
         </p:txBody>
       </p:sp>
@@ -22333,234 +22050,87 @@
         <p:cNvGrpSpPr/>
         <p:nvPr/>
       </p:nvGrpSpPr>
-      <p:grpSpPr>
-        <a:xfrm>
-          <a:off x="0" y="0"/>
-          <a:ext cx="0" cy="0"/>
-          <a:chOff x="0" y="0"/>
-          <a:chExt cx="0" cy="0"/>
-        </a:xfrm>
-      </p:grpSpPr>
-      <p:sp>
-        <p:nvSpPr>
-          <p:cNvPr id="29698" name="Rectangle 4"/>
-          <p:cNvSpPr>
-            <a:spLocks noGrp="1" noChangeArrowheads="1"/>
+      <p:grpSpPr/>
+      <p:sp>
+        <p:nvSpPr>
+          <p:cNvPr id="2" name="Title 1"/>
+          <p:cNvSpPr>
+            <a:spLocks noGrp="1"/>
           </p:cNvSpPr>
           <p:nvPr>
             <p:ph type="title"/>
           </p:nvPr>
         </p:nvSpPr>
-        <p:spPr>
-          <a:xfrm>
-            <a:off x="685800" y="285750"/>
-            <a:ext cx="7543800" cy="680397"/>
-          </a:xfrm>
-        </p:spPr>
+        <p:spPr/>
+        <p:txBody>
+          <a:bodyPr/>
+          <a:p>
+            <a:r>
+              <a:rPr lang="en-US" altLang="en-GB">
+                <a:sym typeface="+mn-ea"/>
+              </a:rPr>
+              <a:t>Supervised machine learning </a:t>
+            </a:r>
+            <a:endParaRPr lang="en-GB" altLang="en-US"/>
+          </a:p>
+        </p:txBody>
+      </p:sp>
+      <p:sp>
+        <p:nvSpPr>
+          <p:cNvPr id="3" name="Content Placeholder 2"/>
+          <p:cNvSpPr>
+            <a:spLocks noGrp="1"/>
+          </p:cNvSpPr>
+          <p:nvPr>
+            <p:ph idx="1"/>
+          </p:nvPr>
+        </p:nvSpPr>
+        <p:spPr/>
         <p:txBody>
           <a:bodyPr>
-            <a:normAutofit fontScale="90000"/>
+            <a:normAutofit fontScale="90000" lnSpcReduction="20000"/>
           </a:bodyPr>
-          <a:lstStyle/>
-          <a:p>
-            <a:r>
-              <a:rPr lang="en-US" sz="3600" dirty="0"/>
-              <a:t>Classification Methods:</a:t>
-            </a:r>
-            <a:br>
-              <a:rPr lang="en-US" sz="3600" dirty="0"/>
-            </a:br>
-            <a:r>
-              <a:rPr lang="en-US" sz="3600" dirty="0"/>
-              <a:t>Supervised Machine Learning</a:t>
-            </a:r>
-            <a:endParaRPr lang="en-US" sz="3600" dirty="0"/>
-          </a:p>
-        </p:txBody>
-      </p:sp>
-      <p:sp>
-        <p:nvSpPr>
-          <p:cNvPr id="29699" name="Rectangle 5"/>
-          <p:cNvSpPr>
-            <a:spLocks noGrp="1" noChangeArrowheads="1"/>
-          </p:cNvSpPr>
-          <p:nvPr>
-            <p:ph idx="1"/>
-          </p:nvPr>
-        </p:nvSpPr>
-        <p:spPr>
-          <a:xfrm>
-            <a:off x="822960" y="1200150"/>
-            <a:ext cx="8016240" cy="3886200"/>
-          </a:xfrm>
-        </p:spPr>
-        <p:txBody>
-          <a:bodyPr>
-            <a:normAutofit fontScale="92500" lnSpcReduction="10000"/>
-          </a:bodyPr>
-          <a:lstStyle/>
-          <a:p>
-            <a:r>
-              <a:rPr lang="en-US" sz="3200" dirty="0">
-                <a:latin typeface="Calibri" panose="020F0502020204030204" pitchFamily="34" charset="0"/>
-              </a:rPr>
-              <a:t>Many kinds of classifiers!</a:t>
-            </a:r>
-            <a:endParaRPr lang="en-US" sz="3200" dirty="0">
-              <a:latin typeface="Calibri" panose="020F0502020204030204" pitchFamily="34" charset="0"/>
-            </a:endParaRPr>
-          </a:p>
-          <a:p>
-            <a:pPr lvl="1">
-              <a:buFont typeface="Arial" panose="020B0604020202020204" pitchFamily="34" charset="0"/>
-              <a:buChar char="•"/>
-            </a:pPr>
-            <a:r>
-              <a:rPr lang="en-US" sz="2800" b="1" dirty="0">
-                <a:latin typeface="Calibri" panose="020F0502020204030204" pitchFamily="34" charset="0"/>
-              </a:rPr>
-              <a:t>Na</a:t>
-            </a:r>
-            <a:r>
-              <a:rPr lang="fr-FR" sz="2800" b="1" dirty="0" err="1">
-                <a:latin typeface="Calibri" panose="020F0502020204030204" pitchFamily="34" charset="0"/>
-              </a:rPr>
-              <a:t>ï</a:t>
-            </a:r>
-            <a:r>
-              <a:rPr lang="en-US" sz="2800" b="1" dirty="0" err="1">
-                <a:latin typeface="Calibri" panose="020F0502020204030204" pitchFamily="34" charset="0"/>
-              </a:rPr>
-              <a:t>ve</a:t>
-            </a:r>
-            <a:r>
-              <a:rPr lang="en-US" sz="2800" b="1" dirty="0">
-                <a:latin typeface="Calibri" panose="020F0502020204030204" pitchFamily="34" charset="0"/>
-              </a:rPr>
-              <a:t> Bayes (this lecture)</a:t>
-            </a:r>
-            <a:endParaRPr lang="en-US" sz="2800" b="1" dirty="0">
-              <a:latin typeface="Calibri" panose="020F0502020204030204" pitchFamily="34" charset="0"/>
-            </a:endParaRPr>
-          </a:p>
-          <a:p>
-            <a:pPr lvl="1">
-              <a:buFont typeface="Arial" panose="020B0604020202020204" pitchFamily="34" charset="0"/>
-              <a:buChar char="•"/>
-            </a:pPr>
-            <a:r>
-              <a:rPr lang="en-US" sz="2800" dirty="0">
-                <a:latin typeface="Calibri" panose="020F0502020204030204" pitchFamily="34" charset="0"/>
-              </a:rPr>
-              <a:t>Logistic regression  </a:t>
-            </a:r>
-            <a:endParaRPr lang="en-US" sz="2800" dirty="0">
-              <a:latin typeface="Calibri" panose="020F0502020204030204" pitchFamily="34" charset="0"/>
-            </a:endParaRPr>
-          </a:p>
-          <a:p>
-            <a:pPr lvl="1">
-              <a:buFont typeface="Arial" panose="020B0604020202020204" pitchFamily="34" charset="0"/>
-              <a:buChar char="•"/>
-            </a:pPr>
-            <a:r>
-              <a:rPr lang="en-US" sz="2800" dirty="0">
-                <a:latin typeface="Calibri" panose="020F0502020204030204" pitchFamily="34" charset="0"/>
-              </a:rPr>
-              <a:t>Neural networks</a:t>
-            </a:r>
-            <a:endParaRPr lang="en-US" sz="2800" dirty="0">
-              <a:latin typeface="Calibri" panose="020F0502020204030204" pitchFamily="34" charset="0"/>
-            </a:endParaRPr>
-          </a:p>
-          <a:p>
-            <a:pPr lvl="1">
-              <a:buFont typeface="Arial" panose="020B0604020202020204" pitchFamily="34" charset="0"/>
-              <a:buChar char="•"/>
-            </a:pPr>
-            <a:r>
-              <a:rPr lang="en-US" sz="2800" i="1" dirty="0">
-                <a:latin typeface="Calibri" panose="020F0502020204030204" pitchFamily="34" charset="0"/>
-              </a:rPr>
-              <a:t>k</a:t>
-            </a:r>
-            <a:r>
-              <a:rPr lang="en-US" sz="2800" dirty="0">
-                <a:latin typeface="Calibri" panose="020F0502020204030204" pitchFamily="34" charset="0"/>
-              </a:rPr>
-              <a:t>-nearest neighbors</a:t>
-            </a:r>
-            <a:endParaRPr lang="en-US" sz="2800" dirty="0">
-              <a:latin typeface="Calibri" panose="020F0502020204030204" pitchFamily="34" charset="0"/>
-            </a:endParaRPr>
-          </a:p>
-          <a:p>
-            <a:pPr lvl="1">
-              <a:buFont typeface="Arial" panose="020B0604020202020204" pitchFamily="34" charset="0"/>
-              <a:buChar char="•"/>
-            </a:pPr>
-            <a:r>
-              <a:rPr lang="en-US" sz="2800">
-                <a:latin typeface="Calibri" panose="020F0502020204030204" pitchFamily="34" charset="0"/>
-              </a:rPr>
-              <a:t>…</a:t>
-            </a:r>
-            <a:endParaRPr lang="en-US" sz="2800" dirty="0">
-              <a:latin typeface="Calibri" panose="020F0502020204030204" pitchFamily="34" charset="0"/>
-            </a:endParaRPr>
-          </a:p>
-          <a:p>
-            <a:pPr lvl="1">
-              <a:buFont typeface="Arial" panose="020B0604020202020204" pitchFamily="34" charset="0"/>
-              <a:buChar char="•"/>
-            </a:pPr>
-            <a:endParaRPr lang="en-US" sz="1700" dirty="0">
-              <a:latin typeface="Calibri" panose="020F0502020204030204" pitchFamily="34" charset="0"/>
-            </a:endParaRPr>
-          </a:p>
-          <a:p>
-            <a:pPr marL="151130" lvl="1" indent="0">
-              <a:buNone/>
-            </a:pPr>
-            <a:r>
-              <a:rPr lang="en-US" sz="3200" dirty="0">
-                <a:latin typeface="Calibri" panose="020F0502020204030204" pitchFamily="34" charset="0"/>
-              </a:rPr>
-              <a:t>We can also use pretrained large language models!</a:t>
-            </a:r>
-            <a:endParaRPr lang="en-US" sz="3200" dirty="0">
-              <a:latin typeface="Calibri" panose="020F0502020204030204" pitchFamily="34" charset="0"/>
-            </a:endParaRPr>
-          </a:p>
-          <a:p>
-            <a:pPr lvl="2">
-              <a:buFont typeface="Arial" panose="020B0604020202020204" pitchFamily="34" charset="0"/>
-              <a:buChar char="•"/>
-            </a:pPr>
-            <a:r>
-              <a:rPr lang="en-US" sz="2800" dirty="0">
-                <a:latin typeface="Calibri" panose="020F0502020204030204" pitchFamily="34" charset="0"/>
-              </a:rPr>
-              <a:t>Fine-tuned as classifiers</a:t>
-            </a:r>
-            <a:endParaRPr lang="en-US" sz="2800" dirty="0">
-              <a:latin typeface="Calibri" panose="020F0502020204030204" pitchFamily="34" charset="0"/>
-            </a:endParaRPr>
-          </a:p>
-          <a:p>
-            <a:pPr lvl="2">
-              <a:buFont typeface="Arial" panose="020B0604020202020204" pitchFamily="34" charset="0"/>
-              <a:buChar char="•"/>
-            </a:pPr>
-            <a:r>
-              <a:rPr lang="en-US" sz="2800" dirty="0">
-                <a:latin typeface="Calibri" panose="020F0502020204030204" pitchFamily="34" charset="0"/>
-              </a:rPr>
-              <a:t>Prompted to give a classification</a:t>
-            </a:r>
-            <a:endParaRPr lang="en-US" sz="2800" dirty="0">
-              <a:latin typeface="Calibri" panose="020F0502020204030204" pitchFamily="34" charset="0"/>
-            </a:endParaRPr>
+          <a:p>
+            <a:r>
+              <a:rPr lang="en-US" altLang="en-GB"/>
+              <a:t>A simple breakdown:</a:t>
+            </a:r>
+            <a:endParaRPr lang="en-US" altLang="en-GB"/>
+          </a:p>
+          <a:p>
+            <a:endParaRPr lang="en-US" altLang="en-GB"/>
+          </a:p>
+          <a:p>
+            <a:r>
+              <a:rPr lang="en-US" altLang="en-GB"/>
+              <a:t>Traditional programming: You tell the computer step by step what to do.</a:t>
+            </a:r>
+            <a:endParaRPr lang="en-US" altLang="en-GB"/>
+          </a:p>
+          <a:p>
+            <a:r>
+              <a:rPr lang="en-US" altLang="en-GB"/>
+              <a:t>Example: “If the fruit is yellow and long </a:t>
+            </a:r>
+            <a:r>
+              <a:rPr lang="en-US" altLang="en-US"/>
+              <a:t>→</a:t>
+            </a:r>
+            <a:r>
+              <a:rPr lang="en-US" altLang="en-GB"/>
+              <a:t> it’s a banana.”</a:t>
+            </a:r>
+            <a:endParaRPr lang="en-US" altLang="en-GB"/>
+          </a:p>
+          <a:p>
+            <a:endParaRPr lang="en-US" altLang="en-GB"/>
+          </a:p>
+          <a:p>
+            <a:r>
+              <a:rPr lang="en-US" altLang="en-GB"/>
+              <a:t>Machine learning: You give the computer lots of examples (pictures of apples and bananas), and the computer figures out the rules by itself.</a:t>
+            </a:r>
+            <a:endParaRPr lang="en-US" altLang="en-GB"/>
           </a:p>
         </p:txBody>
       </p:sp>
@@ -22569,7 +22139,6 @@
   <p:clrMapOvr>
     <a:masterClrMapping/>
   </p:clrMapOvr>
-  <p:transition/>
 </p:sld>
 </file>
 
@@ -22592,62 +22161,46 @@
       </p:grpSpPr>
       <p:sp>
         <p:nvSpPr>
-          <p:cNvPr id="16386" name="Rectangle 5"/>
-          <p:cNvSpPr>
-            <a:spLocks noGrp="1" noChangeArrowheads="1"/>
+          <p:cNvPr id="2" name="Title 1"/>
+          <p:cNvSpPr>
+            <a:spLocks noGrp="1"/>
           </p:cNvSpPr>
           <p:nvPr>
             <p:ph type="title"/>
           </p:nvPr>
         </p:nvSpPr>
-        <p:spPr/>
+        <p:spPr>
+          <a:xfrm>
+            <a:off x="685800" y="411908"/>
+            <a:ext cx="7543800" cy="680397"/>
+          </a:xfrm>
+        </p:spPr>
         <p:txBody>
           <a:bodyPr>
-            <a:noAutofit/>
+            <a:normAutofit fontScale="90000"/>
           </a:bodyPr>
           <a:lstStyle/>
           <a:p>
             <a:r>
-              <a:rPr lang="en-US" sz="3400">
-                <a:latin typeface="Calibri (Headings)"/>
-                <a:cs typeface="Calibri (Headings)"/>
-              </a:rPr>
-              <a:t>Text Classification and Na</a:t>
-            </a:r>
-            <a:r>
-              <a:rPr lang="fr-FR" sz="3400">
-                <a:latin typeface="Calibri (Headings)"/>
-                <a:cs typeface="Calibri (Headings)"/>
-              </a:rPr>
-              <a:t>i</a:t>
-            </a:r>
-            <a:r>
-              <a:rPr lang="en-US" sz="3400" err="1">
-                <a:latin typeface="Calibri (Headings)"/>
-                <a:cs typeface="Calibri (Headings)"/>
-              </a:rPr>
-              <a:t>ve</a:t>
-            </a:r>
-            <a:r>
-              <a:rPr lang="en-US" sz="3400">
-                <a:latin typeface="Calibri (Headings)"/>
-                <a:cs typeface="Calibri (Headings)"/>
-              </a:rPr>
-              <a:t> Bayes</a:t>
-            </a:r>
-            <a:endParaRPr lang="en-US" sz="3400">
-              <a:latin typeface="Calibri (Headings)"/>
-              <a:ea typeface="MS PGothic" panose="020B0600070205080204" charset="-128"/>
-              <a:cs typeface="Calibri (Headings)"/>
-            </a:endParaRPr>
-          </a:p>
-        </p:txBody>
-      </p:sp>
-      <p:sp>
-        <p:nvSpPr>
-          <p:cNvPr id="16387" name="Rectangle 6"/>
-          <p:cNvSpPr>
-            <a:spLocks noGrp="1" noChangeArrowheads="1"/>
+              <a:rPr lang="en-US" sz="3600" dirty="0"/>
+              <a:t>Classification Method:</a:t>
+            </a:r>
+            <a:br>
+              <a:rPr lang="en-US" sz="3600" dirty="0"/>
+            </a:br>
+            <a:r>
+              <a:rPr lang="en-US" sz="3600" dirty="0"/>
+              <a:t>Supervised Machine Learning</a:t>
+            </a:r>
+            <a:endParaRPr lang="en-US" sz="3600" dirty="0"/>
+          </a:p>
+        </p:txBody>
+      </p:sp>
+      <p:sp>
+        <p:nvSpPr>
+          <p:cNvPr id="3" name="Content Placeholder 2"/>
+          <p:cNvSpPr>
+            <a:spLocks noGrp="1"/>
           </p:cNvSpPr>
           <p:nvPr>
             <p:ph idx="1"/>
@@ -22655,37 +22208,411 @@
         </p:nvSpPr>
         <p:spPr>
           <a:xfrm>
-            <a:off x="3460238" y="285750"/>
-            <a:ext cx="5009393" cy="4206240"/>
+            <a:off x="822960" y="1200150"/>
+            <a:ext cx="8092440" cy="3429000"/>
           </a:xfrm>
         </p:spPr>
         <p:txBody>
           <a:bodyPr/>
           <a:lstStyle/>
           <a:p>
-            <a:pPr eaLnBrk="1" hangingPunct="1">
-              <a:buFont typeface="Times" charset="0"/>
-              <a:buNone/>
-            </a:pPr>
-            <a:r>
-              <a:rPr lang="en-US" sz="3600">
+            <a:r>
+              <a:rPr lang="en-US" sz="2800" i="1" dirty="0">
+                <a:latin typeface="Calibri" panose="020F0502020204030204" pitchFamily="34" charset="0"/>
+              </a:rPr>
+              <a:t>Input: </a:t>
+            </a:r>
+            <a:endParaRPr lang="en-US" sz="2800" i="1" dirty="0">
+              <a:latin typeface="Calibri" panose="020F0502020204030204" pitchFamily="34" charset="0"/>
+            </a:endParaRPr>
+          </a:p>
+          <a:p>
+            <a:pPr lvl="1"/>
+            <a:r>
+              <a:rPr lang="en-US" sz="2400" dirty="0">
+                <a:latin typeface="Calibri" panose="020F0502020204030204" pitchFamily="34" charset="0"/>
+              </a:rPr>
+              <a:t>a document </a:t>
+            </a:r>
+            <a:r>
+              <a:rPr lang="en-US" sz="2400" i="1" dirty="0">
                 <a:solidFill>
-                  <a:srgbClr val="A4001D"/>
+                  <a:srgbClr val="FF0000"/>
                 </a:solidFill>
-                <a:latin typeface="Calibri" panose="020F0502020204030204"/>
+                <a:latin typeface="Calibri" panose="020F0502020204030204" pitchFamily="34" charset="0"/>
+              </a:rPr>
+              <a:t>d</a:t>
+            </a:r>
+            <a:endParaRPr lang="en-US" sz="2400" i="1" dirty="0">
+              <a:solidFill>
+                <a:srgbClr val="FF0000"/>
+              </a:solidFill>
+              <a:latin typeface="Calibri" panose="020F0502020204030204" pitchFamily="34" charset="0"/>
+            </a:endParaRPr>
+          </a:p>
+          <a:p>
+            <a:pPr lvl="1"/>
+            <a:r>
+              <a:rPr lang="en-US" sz="2400" i="1" dirty="0">
+                <a:latin typeface="Calibri" panose="020F0502020204030204" pitchFamily="34" charset="0"/>
+              </a:rPr>
+              <a:t> </a:t>
+            </a:r>
+            <a:r>
+              <a:rPr lang="en-US" sz="2400" dirty="0">
+                <a:latin typeface="Calibri" panose="020F0502020204030204" pitchFamily="34" charset="0"/>
                 <a:ea typeface="MS PGothic" panose="020B0600070205080204" charset="-128"/>
-                <a:cs typeface="Calibri" panose="020F0502020204030204"/>
               </a:rPr>
-              <a:t>The Naive Bayes Classifier</a:t>
-            </a:r>
-            <a:endParaRPr lang="en-US" sz="3600">
+              <a:t>a fixed set of classes  </a:t>
+            </a:r>
+            <a:r>
+              <a:rPr lang="en-US" sz="2400" i="1" dirty="0">
+                <a:solidFill>
+                  <a:srgbClr val="FF0000"/>
+                </a:solidFill>
+                <a:latin typeface="Calibri" panose="020F0502020204030204" pitchFamily="34" charset="0"/>
+                <a:ea typeface="MS PGothic" panose="020B0600070205080204" charset="-128"/>
+              </a:rPr>
+              <a:t>C </a:t>
+            </a:r>
+            <a:r>
+              <a:rPr lang="en-US" sz="2400" dirty="0">
+                <a:solidFill>
+                  <a:srgbClr val="FF0000"/>
+                </a:solidFill>
+                <a:latin typeface="Calibri" panose="020F0502020204030204" pitchFamily="34" charset="0"/>
+                <a:ea typeface="MS PGothic" panose="020B0600070205080204" charset="-128"/>
+              </a:rPr>
+              <a:t>=</a:t>
+            </a:r>
+            <a:r>
+              <a:rPr lang="en-US" sz="2400" i="1" dirty="0">
+                <a:solidFill>
+                  <a:srgbClr val="FF0000"/>
+                </a:solidFill>
+                <a:latin typeface="Calibri" panose="020F0502020204030204" pitchFamily="34" charset="0"/>
+                <a:ea typeface="MS PGothic" panose="020B0600070205080204" charset="-128"/>
+              </a:rPr>
+              <a:t> </a:t>
+            </a:r>
+            <a:r>
+              <a:rPr lang="en-US" sz="2400" dirty="0">
+                <a:solidFill>
+                  <a:srgbClr val="FF0000"/>
+                </a:solidFill>
+                <a:latin typeface="Calibri" panose="020F0502020204030204" pitchFamily="34" charset="0"/>
+                <a:ea typeface="MS PGothic" panose="020B0600070205080204" charset="-128"/>
+                <a:sym typeface="Symbol" panose="05050102010706020507" charset="0"/>
+              </a:rPr>
+              <a:t>{</a:t>
+            </a:r>
+            <a:r>
+              <a:rPr lang="en-US" sz="2400" i="1" dirty="0">
+                <a:solidFill>
+                  <a:srgbClr val="FF0000"/>
+                </a:solidFill>
+                <a:latin typeface="Calibri" panose="020F0502020204030204" pitchFamily="34" charset="0"/>
+                <a:ea typeface="MS PGothic" panose="020B0600070205080204" charset="-128"/>
+                <a:sym typeface="Symbol" panose="05050102010706020507" charset="0"/>
+              </a:rPr>
+              <a:t>c</a:t>
+            </a:r>
+            <a:r>
+              <a:rPr lang="en-US" sz="2400" baseline="-25000" dirty="0">
+                <a:solidFill>
+                  <a:srgbClr val="FF0000"/>
+                </a:solidFill>
+                <a:latin typeface="Calibri" panose="020F0502020204030204" pitchFamily="34" charset="0"/>
+                <a:ea typeface="MS PGothic" panose="020B0600070205080204" charset="-128"/>
+                <a:sym typeface="Symbol" panose="05050102010706020507" charset="0"/>
+              </a:rPr>
+              <a:t>1</a:t>
+            </a:r>
+            <a:r>
+              <a:rPr lang="en-US" sz="2400" dirty="0">
+                <a:solidFill>
+                  <a:srgbClr val="FF0000"/>
+                </a:solidFill>
+                <a:latin typeface="Calibri" panose="020F0502020204030204" pitchFamily="34" charset="0"/>
+                <a:ea typeface="MS PGothic" panose="020B0600070205080204" charset="-128"/>
+                <a:sym typeface="Symbol" panose="05050102010706020507" charset="0"/>
+              </a:rPr>
+              <a:t>, </a:t>
+            </a:r>
+            <a:r>
+              <a:rPr lang="en-US" sz="2400" i="1" dirty="0">
+                <a:solidFill>
+                  <a:srgbClr val="FF0000"/>
+                </a:solidFill>
+                <a:latin typeface="Calibri" panose="020F0502020204030204" pitchFamily="34" charset="0"/>
+                <a:ea typeface="MS PGothic" panose="020B0600070205080204" charset="-128"/>
+                <a:sym typeface="Symbol" panose="05050102010706020507" charset="0"/>
+              </a:rPr>
+              <a:t>c</a:t>
+            </a:r>
+            <a:r>
+              <a:rPr lang="en-US" sz="2400" baseline="-25000" dirty="0">
+                <a:solidFill>
+                  <a:srgbClr val="FF0000"/>
+                </a:solidFill>
+                <a:latin typeface="Calibri" panose="020F0502020204030204" pitchFamily="34" charset="0"/>
+                <a:ea typeface="MS PGothic" panose="020B0600070205080204" charset="-128"/>
+                <a:sym typeface="Symbol" panose="05050102010706020507" charset="0"/>
+              </a:rPr>
+              <a:t>2</a:t>
+            </a:r>
+            <a:r>
+              <a:rPr lang="en-US" sz="2400" dirty="0">
+                <a:solidFill>
+                  <a:srgbClr val="FF0000"/>
+                </a:solidFill>
+                <a:latin typeface="Calibri" panose="020F0502020204030204" pitchFamily="34" charset="0"/>
+                <a:ea typeface="MS PGothic" panose="020B0600070205080204" charset="-128"/>
+                <a:sym typeface="Symbol" panose="05050102010706020507" charset="0"/>
+              </a:rPr>
+              <a:t>,…, </a:t>
+            </a:r>
+            <a:r>
+              <a:rPr lang="en-US" sz="2400" i="1" dirty="0" err="1">
+                <a:solidFill>
+                  <a:srgbClr val="FF0000"/>
+                </a:solidFill>
+                <a:latin typeface="Calibri" panose="020F0502020204030204" pitchFamily="34" charset="0"/>
+                <a:ea typeface="MS PGothic" panose="020B0600070205080204" charset="-128"/>
+                <a:sym typeface="Symbol" panose="05050102010706020507" charset="0"/>
+              </a:rPr>
+              <a:t>c</a:t>
+            </a:r>
+            <a:r>
+              <a:rPr lang="en-US" sz="2400" i="1" baseline="-25000" dirty="0" err="1">
+                <a:solidFill>
+                  <a:srgbClr val="FF0000"/>
+                </a:solidFill>
+                <a:latin typeface="Calibri" panose="020F0502020204030204" pitchFamily="34" charset="0"/>
+                <a:ea typeface="MS PGothic" panose="020B0600070205080204" charset="-128"/>
+                <a:sym typeface="Symbol" panose="05050102010706020507" charset="0"/>
+              </a:rPr>
+              <a:t>J</a:t>
+            </a:r>
+            <a:r>
+              <a:rPr lang="en-US" sz="2400" dirty="0">
+                <a:solidFill>
+                  <a:srgbClr val="FF0000"/>
+                </a:solidFill>
+                <a:latin typeface="Calibri" panose="020F0502020204030204" pitchFamily="34" charset="0"/>
+                <a:ea typeface="MS PGothic" panose="020B0600070205080204" charset="-128"/>
+                <a:sym typeface="Symbol" panose="05050102010706020507" charset="0"/>
+              </a:rPr>
+              <a:t>}</a:t>
+            </a:r>
+            <a:endParaRPr lang="en-US" sz="1800" i="1" dirty="0">
               <a:solidFill>
-                <a:srgbClr val="A4001D"/>
+                <a:srgbClr val="FF0000"/>
               </a:solidFill>
-              <a:latin typeface="Calibri" panose="020F0502020204030204"/>
-              <a:ea typeface="MS PGothic" panose="020B0600070205080204" charset="-128"/>
-              <a:cs typeface="Calibri" panose="020F0502020204030204"/>
+              <a:latin typeface="Calibri" panose="020F0502020204030204" pitchFamily="34" charset="0"/>
             </a:endParaRPr>
+          </a:p>
+          <a:p>
+            <a:pPr lvl="1"/>
+            <a:r>
+              <a:rPr lang="en-US" sz="2400" dirty="0">
+                <a:latin typeface="Calibri" panose="020F0502020204030204" pitchFamily="34" charset="0"/>
+              </a:rPr>
+              <a:t>A training set of </a:t>
+            </a:r>
+            <a:r>
+              <a:rPr lang="en-US" sz="2400" i="1" dirty="0">
+                <a:solidFill>
+                  <a:srgbClr val="FF0000"/>
+                </a:solidFill>
+                <a:latin typeface="Calibri" panose="020F0502020204030204" pitchFamily="34" charset="0"/>
+              </a:rPr>
+              <a:t>m</a:t>
+            </a:r>
+            <a:r>
+              <a:rPr lang="en-US" sz="2400" i="1" dirty="0">
+                <a:latin typeface="Calibri" panose="020F0502020204030204" pitchFamily="34" charset="0"/>
+              </a:rPr>
+              <a:t> </a:t>
+            </a:r>
+            <a:r>
+              <a:rPr lang="en-US" sz="2400" dirty="0">
+                <a:latin typeface="Calibri" panose="020F0502020204030204" pitchFamily="34" charset="0"/>
+              </a:rPr>
+              <a:t>hand-labeled documents </a:t>
+            </a:r>
+            <a:r>
+              <a:rPr lang="en-US" sz="2400" i="1" dirty="0">
+                <a:solidFill>
+                  <a:srgbClr val="FF0000"/>
+                </a:solidFill>
+                <a:latin typeface="Calibri" panose="020F0502020204030204" pitchFamily="34" charset="0"/>
+              </a:rPr>
+              <a:t>(d</a:t>
+            </a:r>
+            <a:r>
+              <a:rPr lang="en-US" sz="2400" i="1" baseline="-25000" dirty="0">
+                <a:solidFill>
+                  <a:srgbClr val="FF0000"/>
+                </a:solidFill>
+                <a:latin typeface="Calibri" panose="020F0502020204030204" pitchFamily="34" charset="0"/>
+              </a:rPr>
+              <a:t>1</a:t>
+            </a:r>
+            <a:r>
+              <a:rPr lang="en-US" sz="2400" i="1" dirty="0">
+                <a:solidFill>
+                  <a:srgbClr val="FF0000"/>
+                </a:solidFill>
+                <a:latin typeface="Calibri" panose="020F0502020204030204" pitchFamily="34" charset="0"/>
+              </a:rPr>
+              <a:t>,c</a:t>
+            </a:r>
+            <a:r>
+              <a:rPr lang="en-US" sz="2400" i="1" baseline="-25000" dirty="0">
+                <a:solidFill>
+                  <a:srgbClr val="FF0000"/>
+                </a:solidFill>
+                <a:latin typeface="Calibri" panose="020F0502020204030204" pitchFamily="34" charset="0"/>
+              </a:rPr>
+              <a:t>1</a:t>
+            </a:r>
+            <a:r>
+              <a:rPr lang="en-US" sz="2400" i="1" dirty="0">
+                <a:solidFill>
+                  <a:srgbClr val="FF0000"/>
+                </a:solidFill>
+                <a:latin typeface="Calibri" panose="020F0502020204030204" pitchFamily="34" charset="0"/>
+              </a:rPr>
+              <a:t>),....,(</a:t>
+            </a:r>
+            <a:r>
+              <a:rPr lang="en-US" sz="2400" i="1" dirty="0" err="1">
+                <a:solidFill>
+                  <a:srgbClr val="FF0000"/>
+                </a:solidFill>
+                <a:latin typeface="Calibri" panose="020F0502020204030204" pitchFamily="34" charset="0"/>
+              </a:rPr>
+              <a:t>d</a:t>
+            </a:r>
+            <a:r>
+              <a:rPr lang="en-US" sz="2400" i="1" baseline="-25000" dirty="0" err="1">
+                <a:solidFill>
+                  <a:srgbClr val="FF0000"/>
+                </a:solidFill>
+                <a:latin typeface="Calibri" panose="020F0502020204030204" pitchFamily="34" charset="0"/>
+              </a:rPr>
+              <a:t>m</a:t>
+            </a:r>
+            <a:r>
+              <a:rPr lang="en-US" sz="2400" i="1" dirty="0" err="1">
+                <a:solidFill>
+                  <a:srgbClr val="FF0000"/>
+                </a:solidFill>
+                <a:latin typeface="Calibri" panose="020F0502020204030204" pitchFamily="34" charset="0"/>
+              </a:rPr>
+              <a:t>,c</a:t>
+            </a:r>
+            <a:r>
+              <a:rPr lang="en-US" sz="2400" i="1" baseline="-25000" dirty="0" err="1">
+                <a:solidFill>
+                  <a:srgbClr val="FF0000"/>
+                </a:solidFill>
+                <a:latin typeface="Calibri" panose="020F0502020204030204" pitchFamily="34" charset="0"/>
+              </a:rPr>
+              <a:t>m</a:t>
+            </a:r>
+            <a:r>
+              <a:rPr lang="en-US" sz="2400" i="1" dirty="0">
+                <a:solidFill>
+                  <a:srgbClr val="FF0000"/>
+                </a:solidFill>
+                <a:latin typeface="Calibri" panose="020F0502020204030204" pitchFamily="34" charset="0"/>
+              </a:rPr>
+              <a:t>)</a:t>
+            </a:r>
+            <a:endParaRPr lang="en-US" sz="2400" i="1" dirty="0">
+              <a:solidFill>
+                <a:srgbClr val="FF0000"/>
+              </a:solidFill>
+              <a:latin typeface="Calibri" panose="020F0502020204030204" pitchFamily="34" charset="0"/>
+            </a:endParaRPr>
+          </a:p>
+          <a:p>
+            <a:r>
+              <a:rPr lang="en-US" sz="2800" i="1" dirty="0">
+                <a:latin typeface="Calibri" panose="020F0502020204030204" pitchFamily="34" charset="0"/>
+              </a:rPr>
+              <a:t>Output: </a:t>
+            </a:r>
+            <a:endParaRPr lang="en-US" sz="2800" i="1" dirty="0">
+              <a:latin typeface="Calibri" panose="020F0502020204030204" pitchFamily="34" charset="0"/>
+            </a:endParaRPr>
+          </a:p>
+          <a:p>
+            <a:pPr lvl="1"/>
+            <a:r>
+              <a:rPr lang="en-US" sz="2400" dirty="0">
+                <a:latin typeface="Calibri" panose="020F0502020204030204" pitchFamily="34" charset="0"/>
+              </a:rPr>
+              <a:t>a learned classifier </a:t>
+            </a:r>
+            <a:r>
+              <a:rPr lang="en-US" sz="2400" i="1" dirty="0" err="1">
+                <a:solidFill>
+                  <a:srgbClr val="FF0000"/>
+                </a:solidFill>
+                <a:latin typeface="Calibri" panose="020F0502020204030204" pitchFamily="34" charset="0"/>
+              </a:rPr>
+              <a:t>γ:d</a:t>
+            </a:r>
+            <a:r>
+              <a:rPr lang="en-US" sz="2400" i="1" dirty="0">
+                <a:solidFill>
+                  <a:srgbClr val="FF0000"/>
+                </a:solidFill>
+                <a:latin typeface="Calibri" panose="020F0502020204030204" pitchFamily="34" charset="0"/>
+              </a:rPr>
+              <a:t> </a:t>
+            </a:r>
+            <a:r>
+              <a:rPr lang="en-US" sz="2400" i="1" dirty="0">
+                <a:solidFill>
+                  <a:srgbClr val="FF0000"/>
+                </a:solidFill>
+                <a:latin typeface="Calibri" panose="020F0502020204030204" pitchFamily="34" charset="0"/>
+                <a:sym typeface="Wingdings" panose="05000000000000000000" pitchFamily="2" charset="2"/>
+              </a:rPr>
+              <a:t> c</a:t>
+            </a:r>
+            <a:endParaRPr lang="en-US" sz="2400" i="1" dirty="0">
+              <a:solidFill>
+                <a:srgbClr val="FF0000"/>
+              </a:solidFill>
+              <a:latin typeface="Calibri" panose="020F0502020204030204" pitchFamily="34" charset="0"/>
+            </a:endParaRPr>
+          </a:p>
+        </p:txBody>
+      </p:sp>
+      <p:sp>
+        <p:nvSpPr>
+          <p:cNvPr id="4" name="Slide Number Placeholder 3"/>
+          <p:cNvSpPr>
+            <a:spLocks noGrp="1"/>
+          </p:cNvSpPr>
+          <p:nvPr>
+            <p:ph type="sldNum" sz="quarter" idx="12"/>
+          </p:nvPr>
+        </p:nvSpPr>
+        <p:spPr/>
+        <p:txBody>
+          <a:bodyPr/>
+          <a:lstStyle/>
+          <a:p>
+            <a:fld id="{10F35DC5-7E65-8247-99AB-4E984F8A921E}" type="slidenum">
+              <a:rPr lang="en-US" smtClean="0"/>
+            </a:fld>
+            <a:endParaRPr lang="en-US"/>
           </a:p>
         </p:txBody>
       </p:sp>
@@ -22694,7 +22621,6 @@
   <p:clrMapOvr>
     <a:masterClrMapping/>
   </p:clrMapOvr>
-  <p:transition/>
 </p:sld>
 </file>
 
